--- a/BellaBeat.pptx
+++ b/BellaBeat.pptx
@@ -4,8 +4,24 @@
   <p:sldMasterIdLst>
     <p:sldMasterId id="2147483648" r:id="rId1"/>
   </p:sldMasterIdLst>
+  <p:notesMasterIdLst>
+    <p:notesMasterId r:id="rId16"/>
+  </p:notesMasterIdLst>
   <p:sldIdLst>
     <p:sldId id="256" r:id="rId2"/>
+    <p:sldId id="263" r:id="rId3"/>
+    <p:sldId id="257" r:id="rId4"/>
+    <p:sldId id="272" r:id="rId5"/>
+    <p:sldId id="269" r:id="rId6"/>
+    <p:sldId id="271" r:id="rId7"/>
+    <p:sldId id="264" r:id="rId8"/>
+    <p:sldId id="265" r:id="rId9"/>
+    <p:sldId id="266" r:id="rId10"/>
+    <p:sldId id="267" r:id="rId11"/>
+    <p:sldId id="268" r:id="rId12"/>
+    <p:sldId id="274" r:id="rId13"/>
+    <p:sldId id="258" r:id="rId14"/>
+    <p:sldId id="261" r:id="rId15"/>
   </p:sldIdLst>
   <p:sldSz cx="12192000" cy="6858000"/>
   <p:notesSz cx="6858000" cy="9144000"/>
@@ -104,7 +120,1574 @@
       </a:defRPr>
     </a:lvl9pPr>
   </p:defaultTextStyle>
+  <p:extLst>
+    <p:ext uri="{EFAFB233-063F-42B5-8137-9DF3F51BA10A}">
+      <p15:sldGuideLst xmlns:p15="http://schemas.microsoft.com/office/powerpoint/2012/main"/>
+    </p:ext>
+  </p:extLst>
 </p:presentation>
+</file>
+
+<file path=ppt/notesMasters/notesMaster1.xml><?xml version="1.0" encoding="utf-8"?>
+<p:notesMaster xmlns:a="http://schemas.openxmlformats.org/drawingml/2006/main" xmlns:r="http://schemas.openxmlformats.org/officeDocument/2006/relationships" xmlns:p="http://schemas.openxmlformats.org/presentationml/2006/main">
+  <p:cSld>
+    <p:bg>
+      <p:bgRef idx="1001">
+        <a:schemeClr val="bg1"/>
+      </p:bgRef>
+    </p:bg>
+    <p:spTree>
+      <p:nvGrpSpPr>
+        <p:cNvPr id="1" name=""/>
+        <p:cNvGrpSpPr/>
+        <p:nvPr/>
+      </p:nvGrpSpPr>
+      <p:grpSpPr>
+        <a:xfrm>
+          <a:off x="0" y="0"/>
+          <a:ext cx="0" cy="0"/>
+          <a:chOff x="0" y="0"/>
+          <a:chExt cx="0" cy="0"/>
+        </a:xfrm>
+      </p:grpSpPr>
+      <p:sp>
+        <p:nvSpPr>
+          <p:cNvPr id="2" name="Header Placeholder 1"/>
+          <p:cNvSpPr>
+            <a:spLocks noGrp="1"/>
+          </p:cNvSpPr>
+          <p:nvPr>
+            <p:ph type="hdr" sz="quarter"/>
+          </p:nvPr>
+        </p:nvSpPr>
+        <p:spPr>
+          <a:xfrm>
+            <a:off x="0" y="0"/>
+            <a:ext cx="2971800" cy="458788"/>
+          </a:xfrm>
+          <a:prstGeom prst="rect">
+            <a:avLst/>
+          </a:prstGeom>
+        </p:spPr>
+        <p:txBody>
+          <a:bodyPr vert="horz" lIns="91440" tIns="45720" rIns="91440" bIns="45720" rtlCol="0"/>
+          <a:lstStyle>
+            <a:lvl1pPr algn="l">
+              <a:defRPr sz="1200"/>
+            </a:lvl1pPr>
+          </a:lstStyle>
+          <a:p>
+            <a:endParaRPr lang="en-US"/>
+          </a:p>
+        </p:txBody>
+      </p:sp>
+      <p:sp>
+        <p:nvSpPr>
+          <p:cNvPr id="3" name="Date Placeholder 2"/>
+          <p:cNvSpPr>
+            <a:spLocks noGrp="1"/>
+          </p:cNvSpPr>
+          <p:nvPr>
+            <p:ph type="dt" idx="1"/>
+          </p:nvPr>
+        </p:nvSpPr>
+        <p:spPr>
+          <a:xfrm>
+            <a:off x="3884613" y="0"/>
+            <a:ext cx="2971800" cy="458788"/>
+          </a:xfrm>
+          <a:prstGeom prst="rect">
+            <a:avLst/>
+          </a:prstGeom>
+        </p:spPr>
+        <p:txBody>
+          <a:bodyPr vert="horz" lIns="91440" tIns="45720" rIns="91440" bIns="45720" rtlCol="0"/>
+          <a:lstStyle>
+            <a:lvl1pPr algn="r">
+              <a:defRPr sz="1200"/>
+            </a:lvl1pPr>
+          </a:lstStyle>
+          <a:p>
+            <a:fld id="{3AFD3511-6C7B-974B-9C6B-CB75E4370756}" type="datetimeFigureOut">
+              <a:rPr lang="en-US" smtClean="0"/>
+              <a:t>9/23/21</a:t>
+            </a:fld>
+            <a:endParaRPr lang="en-US"/>
+          </a:p>
+        </p:txBody>
+      </p:sp>
+      <p:sp>
+        <p:nvSpPr>
+          <p:cNvPr id="4" name="Slide Image Placeholder 3"/>
+          <p:cNvSpPr>
+            <a:spLocks noGrp="1" noRot="1" noChangeAspect="1"/>
+          </p:cNvSpPr>
+          <p:nvPr>
+            <p:ph type="sldImg" idx="2"/>
+          </p:nvPr>
+        </p:nvSpPr>
+        <p:spPr>
+          <a:xfrm>
+            <a:off x="685800" y="1143000"/>
+            <a:ext cx="5486400" cy="3086100"/>
+          </a:xfrm>
+          <a:prstGeom prst="rect">
+            <a:avLst/>
+          </a:prstGeom>
+          <a:noFill/>
+          <a:ln w="12700">
+            <a:solidFill>
+              <a:prstClr val="black"/>
+            </a:solidFill>
+          </a:ln>
+        </p:spPr>
+        <p:txBody>
+          <a:bodyPr vert="horz" lIns="91440" tIns="45720" rIns="91440" bIns="45720" rtlCol="0" anchor="ctr"/>
+          <a:lstStyle/>
+          <a:p>
+            <a:endParaRPr lang="en-US"/>
+          </a:p>
+        </p:txBody>
+      </p:sp>
+      <p:sp>
+        <p:nvSpPr>
+          <p:cNvPr id="5" name="Notes Placeholder 4"/>
+          <p:cNvSpPr>
+            <a:spLocks noGrp="1"/>
+          </p:cNvSpPr>
+          <p:nvPr>
+            <p:ph type="body" sz="quarter" idx="3"/>
+          </p:nvPr>
+        </p:nvSpPr>
+        <p:spPr>
+          <a:xfrm>
+            <a:off x="685800" y="4400550"/>
+            <a:ext cx="5486400" cy="3600450"/>
+          </a:xfrm>
+          <a:prstGeom prst="rect">
+            <a:avLst/>
+          </a:prstGeom>
+        </p:spPr>
+        <p:txBody>
+          <a:bodyPr vert="horz" lIns="91440" tIns="45720" rIns="91440" bIns="45720" rtlCol="0"/>
+          <a:lstStyle/>
+          <a:p>
+            <a:pPr lvl="0"/>
+            <a:r>
+              <a:rPr lang="en-GB"/>
+              <a:t>Click to edit Master text styles</a:t>
+            </a:r>
+          </a:p>
+          <a:p>
+            <a:pPr lvl="1"/>
+            <a:r>
+              <a:rPr lang="en-GB"/>
+              <a:t>Second level</a:t>
+            </a:r>
+          </a:p>
+          <a:p>
+            <a:pPr lvl="2"/>
+            <a:r>
+              <a:rPr lang="en-GB"/>
+              <a:t>Third level</a:t>
+            </a:r>
+          </a:p>
+          <a:p>
+            <a:pPr lvl="3"/>
+            <a:r>
+              <a:rPr lang="en-GB"/>
+              <a:t>Fourth level</a:t>
+            </a:r>
+          </a:p>
+          <a:p>
+            <a:pPr lvl="4"/>
+            <a:r>
+              <a:rPr lang="en-GB"/>
+              <a:t>Fifth level</a:t>
+            </a:r>
+            <a:endParaRPr lang="en-US"/>
+          </a:p>
+        </p:txBody>
+      </p:sp>
+      <p:sp>
+        <p:nvSpPr>
+          <p:cNvPr id="6" name="Footer Placeholder 5"/>
+          <p:cNvSpPr>
+            <a:spLocks noGrp="1"/>
+          </p:cNvSpPr>
+          <p:nvPr>
+            <p:ph type="ftr" sz="quarter" idx="4"/>
+          </p:nvPr>
+        </p:nvSpPr>
+        <p:spPr>
+          <a:xfrm>
+            <a:off x="0" y="8685213"/>
+            <a:ext cx="2971800" cy="458787"/>
+          </a:xfrm>
+          <a:prstGeom prst="rect">
+            <a:avLst/>
+          </a:prstGeom>
+        </p:spPr>
+        <p:txBody>
+          <a:bodyPr vert="horz" lIns="91440" tIns="45720" rIns="91440" bIns="45720" rtlCol="0" anchor="b"/>
+          <a:lstStyle>
+            <a:lvl1pPr algn="l">
+              <a:defRPr sz="1200"/>
+            </a:lvl1pPr>
+          </a:lstStyle>
+          <a:p>
+            <a:endParaRPr lang="en-US"/>
+          </a:p>
+        </p:txBody>
+      </p:sp>
+      <p:sp>
+        <p:nvSpPr>
+          <p:cNvPr id="7" name="Slide Number Placeholder 6"/>
+          <p:cNvSpPr>
+            <a:spLocks noGrp="1"/>
+          </p:cNvSpPr>
+          <p:nvPr>
+            <p:ph type="sldNum" sz="quarter" idx="5"/>
+          </p:nvPr>
+        </p:nvSpPr>
+        <p:spPr>
+          <a:xfrm>
+            <a:off x="3884613" y="8685213"/>
+            <a:ext cx="2971800" cy="458787"/>
+          </a:xfrm>
+          <a:prstGeom prst="rect">
+            <a:avLst/>
+          </a:prstGeom>
+        </p:spPr>
+        <p:txBody>
+          <a:bodyPr vert="horz" lIns="91440" tIns="45720" rIns="91440" bIns="45720" rtlCol="0" anchor="b"/>
+          <a:lstStyle>
+            <a:lvl1pPr algn="r">
+              <a:defRPr sz="1200"/>
+            </a:lvl1pPr>
+          </a:lstStyle>
+          <a:p>
+            <a:fld id="{05B23303-9999-9044-A01C-26C8E3E5ADED}" type="slidenum">
+              <a:rPr lang="en-US" smtClean="0"/>
+              <a:t>‹#›</a:t>
+            </a:fld>
+            <a:endParaRPr lang="en-US"/>
+          </a:p>
+        </p:txBody>
+      </p:sp>
+    </p:spTree>
+    <p:extLst>
+      <p:ext uri="{BB962C8B-B14F-4D97-AF65-F5344CB8AC3E}">
+        <p14:creationId xmlns:p14="http://schemas.microsoft.com/office/powerpoint/2010/main" val="1729063896"/>
+      </p:ext>
+    </p:extLst>
+  </p:cSld>
+  <p:clrMap bg1="lt1" tx1="dk1" bg2="lt2" tx2="dk2" accent1="accent1" accent2="accent2" accent3="accent3" accent4="accent4" accent5="accent5" accent6="accent6" hlink="hlink" folHlink="folHlink"/>
+  <p:notesStyle>
+    <a:lvl1pPr marL="0" algn="l" defTabSz="914400" rtl="0" eaLnBrk="1" latinLnBrk="0" hangingPunct="1">
+      <a:defRPr sz="1200" kern="1200">
+        <a:solidFill>
+          <a:schemeClr val="tx1"/>
+        </a:solidFill>
+        <a:latin typeface="+mn-lt"/>
+        <a:ea typeface="+mn-ea"/>
+        <a:cs typeface="+mn-cs"/>
+      </a:defRPr>
+    </a:lvl1pPr>
+    <a:lvl2pPr marL="457200" algn="l" defTabSz="914400" rtl="0" eaLnBrk="1" latinLnBrk="0" hangingPunct="1">
+      <a:defRPr sz="1200" kern="1200">
+        <a:solidFill>
+          <a:schemeClr val="tx1"/>
+        </a:solidFill>
+        <a:latin typeface="+mn-lt"/>
+        <a:ea typeface="+mn-ea"/>
+        <a:cs typeface="+mn-cs"/>
+      </a:defRPr>
+    </a:lvl2pPr>
+    <a:lvl3pPr marL="914400" algn="l" defTabSz="914400" rtl="0" eaLnBrk="1" latinLnBrk="0" hangingPunct="1">
+      <a:defRPr sz="1200" kern="1200">
+        <a:solidFill>
+          <a:schemeClr val="tx1"/>
+        </a:solidFill>
+        <a:latin typeface="+mn-lt"/>
+        <a:ea typeface="+mn-ea"/>
+        <a:cs typeface="+mn-cs"/>
+      </a:defRPr>
+    </a:lvl3pPr>
+    <a:lvl4pPr marL="1371600" algn="l" defTabSz="914400" rtl="0" eaLnBrk="1" latinLnBrk="0" hangingPunct="1">
+      <a:defRPr sz="1200" kern="1200">
+        <a:solidFill>
+          <a:schemeClr val="tx1"/>
+        </a:solidFill>
+        <a:latin typeface="+mn-lt"/>
+        <a:ea typeface="+mn-ea"/>
+        <a:cs typeface="+mn-cs"/>
+      </a:defRPr>
+    </a:lvl4pPr>
+    <a:lvl5pPr marL="1828800" algn="l" defTabSz="914400" rtl="0" eaLnBrk="1" latinLnBrk="0" hangingPunct="1">
+      <a:defRPr sz="1200" kern="1200">
+        <a:solidFill>
+          <a:schemeClr val="tx1"/>
+        </a:solidFill>
+        <a:latin typeface="+mn-lt"/>
+        <a:ea typeface="+mn-ea"/>
+        <a:cs typeface="+mn-cs"/>
+      </a:defRPr>
+    </a:lvl5pPr>
+    <a:lvl6pPr marL="2286000" algn="l" defTabSz="914400" rtl="0" eaLnBrk="1" latinLnBrk="0" hangingPunct="1">
+      <a:defRPr sz="1200" kern="1200">
+        <a:solidFill>
+          <a:schemeClr val="tx1"/>
+        </a:solidFill>
+        <a:latin typeface="+mn-lt"/>
+        <a:ea typeface="+mn-ea"/>
+        <a:cs typeface="+mn-cs"/>
+      </a:defRPr>
+    </a:lvl6pPr>
+    <a:lvl7pPr marL="2743200" algn="l" defTabSz="914400" rtl="0" eaLnBrk="1" latinLnBrk="0" hangingPunct="1">
+      <a:defRPr sz="1200" kern="1200">
+        <a:solidFill>
+          <a:schemeClr val="tx1"/>
+        </a:solidFill>
+        <a:latin typeface="+mn-lt"/>
+        <a:ea typeface="+mn-ea"/>
+        <a:cs typeface="+mn-cs"/>
+      </a:defRPr>
+    </a:lvl7pPr>
+    <a:lvl8pPr marL="3200400" algn="l" defTabSz="914400" rtl="0" eaLnBrk="1" latinLnBrk="0" hangingPunct="1">
+      <a:defRPr sz="1200" kern="1200">
+        <a:solidFill>
+          <a:schemeClr val="tx1"/>
+        </a:solidFill>
+        <a:latin typeface="+mn-lt"/>
+        <a:ea typeface="+mn-ea"/>
+        <a:cs typeface="+mn-cs"/>
+      </a:defRPr>
+    </a:lvl8pPr>
+    <a:lvl9pPr marL="3657600" algn="l" defTabSz="914400" rtl="0" eaLnBrk="1" latinLnBrk="0" hangingPunct="1">
+      <a:defRPr sz="1200" kern="1200">
+        <a:solidFill>
+          <a:schemeClr val="tx1"/>
+        </a:solidFill>
+        <a:latin typeface="+mn-lt"/>
+        <a:ea typeface="+mn-ea"/>
+        <a:cs typeface="+mn-cs"/>
+      </a:defRPr>
+    </a:lvl9pPr>
+  </p:notesStyle>
+</p:notesMaster>
+</file>
+
+<file path=ppt/notesSlides/notesSlide1.xml><?xml version="1.0" encoding="utf-8"?>
+<p:notes xmlns:a="http://schemas.openxmlformats.org/drawingml/2006/main" xmlns:r="http://schemas.openxmlformats.org/officeDocument/2006/relationships" xmlns:p="http://schemas.openxmlformats.org/presentationml/2006/main">
+  <p:cSld>
+    <p:spTree>
+      <p:nvGrpSpPr>
+        <p:cNvPr id="1" name=""/>
+        <p:cNvGrpSpPr/>
+        <p:nvPr/>
+      </p:nvGrpSpPr>
+      <p:grpSpPr>
+        <a:xfrm>
+          <a:off x="0" y="0"/>
+          <a:ext cx="0" cy="0"/>
+          <a:chOff x="0" y="0"/>
+          <a:chExt cx="0" cy="0"/>
+        </a:xfrm>
+      </p:grpSpPr>
+      <p:sp>
+        <p:nvSpPr>
+          <p:cNvPr id="2" name="Slide Image Placeholder 1"/>
+          <p:cNvSpPr>
+            <a:spLocks noGrp="1" noRot="1" noChangeAspect="1"/>
+          </p:cNvSpPr>
+          <p:nvPr>
+            <p:ph type="sldImg"/>
+          </p:nvPr>
+        </p:nvSpPr>
+        <p:spPr/>
+      </p:sp>
+      <p:sp>
+        <p:nvSpPr>
+          <p:cNvPr id="3" name="Notes Placeholder 2"/>
+          <p:cNvSpPr>
+            <a:spLocks noGrp="1"/>
+          </p:cNvSpPr>
+          <p:nvPr>
+            <p:ph type="body" idx="1"/>
+          </p:nvPr>
+        </p:nvSpPr>
+        <p:spPr/>
+        <p:txBody>
+          <a:bodyPr/>
+          <a:lstStyle/>
+          <a:p>
+            <a:r>
+              <a:rPr lang="en-SG" sz="1200" b="0" i="0" u="sng" kern="1200" dirty="0">
+                <a:solidFill>
+                  <a:schemeClr val="tx1"/>
+                </a:solidFill>
+                <a:effectLst/>
+                <a:latin typeface="+mn-lt"/>
+                <a:ea typeface="+mn-ea"/>
+                <a:cs typeface="+mn-cs"/>
+              </a:rPr>
+              <a:t>Scenario:</a:t>
+            </a:r>
+          </a:p>
+          <a:p>
+            <a:r>
+              <a:rPr lang="en-SG" sz="1200" b="0" i="0" kern="1200" dirty="0">
+                <a:solidFill>
+                  <a:schemeClr val="tx1"/>
+                </a:solidFill>
+                <a:effectLst/>
+                <a:latin typeface="+mn-lt"/>
+                <a:ea typeface="+mn-ea"/>
+                <a:cs typeface="+mn-cs"/>
+              </a:rPr>
+              <a:t>You are a junior data analyst working on the marketing analyst team at </a:t>
+            </a:r>
+            <a:r>
+              <a:rPr lang="en-SG" sz="1200" b="0" i="0" kern="1200" dirty="0" err="1">
+                <a:solidFill>
+                  <a:schemeClr val="tx1"/>
+                </a:solidFill>
+                <a:effectLst/>
+                <a:latin typeface="+mn-lt"/>
+                <a:ea typeface="+mn-ea"/>
+                <a:cs typeface="+mn-cs"/>
+              </a:rPr>
+              <a:t>Bellabeat</a:t>
+            </a:r>
+            <a:r>
+              <a:rPr lang="en-SG" sz="1200" b="0" i="0" kern="1200" dirty="0">
+                <a:solidFill>
+                  <a:schemeClr val="tx1"/>
+                </a:solidFill>
+                <a:effectLst/>
+                <a:latin typeface="+mn-lt"/>
+                <a:ea typeface="+mn-ea"/>
+                <a:cs typeface="+mn-cs"/>
+              </a:rPr>
+              <a:t>, a high-tech manufacturer of health-focused products for women. </a:t>
+            </a:r>
+          </a:p>
+          <a:p>
+            <a:endParaRPr lang="en-SG" sz="1200" b="0" i="0" kern="1200" dirty="0">
+              <a:solidFill>
+                <a:schemeClr val="tx1"/>
+              </a:solidFill>
+              <a:effectLst/>
+              <a:latin typeface="+mn-lt"/>
+              <a:ea typeface="+mn-ea"/>
+              <a:cs typeface="+mn-cs"/>
+            </a:endParaRPr>
+          </a:p>
+          <a:p>
+            <a:r>
+              <a:rPr lang="en-SG" sz="1200" b="0" i="0" kern="1200" dirty="0" err="1">
+                <a:solidFill>
+                  <a:schemeClr val="tx1"/>
+                </a:solidFill>
+                <a:effectLst/>
+                <a:latin typeface="+mn-lt"/>
+                <a:ea typeface="+mn-ea"/>
+                <a:cs typeface="+mn-cs"/>
+              </a:rPr>
+              <a:t>Bellabeat</a:t>
+            </a:r>
+            <a:r>
+              <a:rPr lang="en-SG" sz="1200" b="0" i="0" kern="1200" dirty="0">
+                <a:solidFill>
+                  <a:schemeClr val="tx1"/>
+                </a:solidFill>
+                <a:effectLst/>
+                <a:latin typeface="+mn-lt"/>
+                <a:ea typeface="+mn-ea"/>
+                <a:cs typeface="+mn-cs"/>
+              </a:rPr>
+              <a:t> is a successful small company, but they have the potential to become a larger player in the global </a:t>
+            </a:r>
+            <a:r>
+              <a:rPr lang="en-SG" sz="1200" b="0" i="0" u="none" strike="noStrike" kern="1200" dirty="0">
+                <a:solidFill>
+                  <a:schemeClr val="tx1"/>
+                </a:solidFill>
+                <a:effectLst/>
+                <a:latin typeface="+mn-lt"/>
+                <a:ea typeface="+mn-ea"/>
+                <a:cs typeface="+mn-cs"/>
+                <a:hlinkClick r:id="rId3"/>
+              </a:rPr>
+              <a:t>smart device</a:t>
+            </a:r>
+            <a:r>
+              <a:rPr lang="en-SG" sz="1200" b="0" i="0" kern="1200" dirty="0">
+                <a:solidFill>
+                  <a:schemeClr val="tx1"/>
+                </a:solidFill>
+                <a:effectLst/>
+                <a:latin typeface="+mn-lt"/>
+                <a:ea typeface="+mn-ea"/>
+                <a:cs typeface="+mn-cs"/>
+              </a:rPr>
+              <a:t> market. </a:t>
+            </a:r>
+            <a:r>
+              <a:rPr lang="en-SG" sz="1200" b="0" i="0" kern="1200" dirty="0" err="1">
+                <a:solidFill>
+                  <a:schemeClr val="tx1"/>
+                </a:solidFill>
+                <a:effectLst/>
+                <a:latin typeface="+mn-lt"/>
+                <a:ea typeface="+mn-ea"/>
+                <a:cs typeface="+mn-cs"/>
+              </a:rPr>
+              <a:t>Urška</a:t>
+            </a:r>
+            <a:r>
+              <a:rPr lang="en-SG" sz="1200" b="0" i="0" kern="1200" dirty="0">
+                <a:solidFill>
+                  <a:schemeClr val="tx1"/>
+                </a:solidFill>
+                <a:effectLst/>
+                <a:latin typeface="+mn-lt"/>
+                <a:ea typeface="+mn-ea"/>
+                <a:cs typeface="+mn-cs"/>
+              </a:rPr>
+              <a:t> </a:t>
+            </a:r>
+            <a:r>
+              <a:rPr lang="en-SG" sz="1200" b="0" i="0" kern="1200" dirty="0" err="1">
+                <a:solidFill>
+                  <a:schemeClr val="tx1"/>
+                </a:solidFill>
+                <a:effectLst/>
+                <a:latin typeface="+mn-lt"/>
+                <a:ea typeface="+mn-ea"/>
+                <a:cs typeface="+mn-cs"/>
+              </a:rPr>
+              <a:t>Sršen</a:t>
+            </a:r>
+            <a:r>
+              <a:rPr lang="en-SG" sz="1200" b="0" i="0" kern="1200" dirty="0">
+                <a:solidFill>
+                  <a:schemeClr val="tx1"/>
+                </a:solidFill>
+                <a:effectLst/>
+                <a:latin typeface="+mn-lt"/>
+                <a:ea typeface="+mn-ea"/>
+                <a:cs typeface="+mn-cs"/>
+              </a:rPr>
+              <a:t>, cofounder and Chief Creative Officer of </a:t>
+            </a:r>
+            <a:r>
+              <a:rPr lang="en-SG" sz="1200" b="0" i="0" kern="1200" dirty="0" err="1">
+                <a:solidFill>
+                  <a:schemeClr val="tx1"/>
+                </a:solidFill>
+                <a:effectLst/>
+                <a:latin typeface="+mn-lt"/>
+                <a:ea typeface="+mn-ea"/>
+                <a:cs typeface="+mn-cs"/>
+              </a:rPr>
+              <a:t>Bellabeat</a:t>
+            </a:r>
+            <a:r>
+              <a:rPr lang="en-SG" sz="1200" b="0" i="0" kern="1200" dirty="0">
+                <a:solidFill>
+                  <a:schemeClr val="tx1"/>
+                </a:solidFill>
+                <a:effectLst/>
+                <a:latin typeface="+mn-lt"/>
+                <a:ea typeface="+mn-ea"/>
+                <a:cs typeface="+mn-cs"/>
+              </a:rPr>
+              <a:t>, believes that </a:t>
+            </a:r>
+            <a:r>
+              <a:rPr lang="en-SG" sz="1200" b="0" i="0" kern="1200" dirty="0" err="1">
+                <a:solidFill>
+                  <a:schemeClr val="tx1"/>
+                </a:solidFill>
+                <a:effectLst/>
+                <a:latin typeface="+mn-lt"/>
+                <a:ea typeface="+mn-ea"/>
+                <a:cs typeface="+mn-cs"/>
+              </a:rPr>
+              <a:t>analyzing</a:t>
+            </a:r>
+            <a:r>
+              <a:rPr lang="en-SG" sz="1200" b="0" i="0" kern="1200" dirty="0">
+                <a:solidFill>
+                  <a:schemeClr val="tx1"/>
+                </a:solidFill>
+                <a:effectLst/>
+                <a:latin typeface="+mn-lt"/>
+                <a:ea typeface="+mn-ea"/>
+                <a:cs typeface="+mn-cs"/>
+              </a:rPr>
+              <a:t> smart device fitness data could help unlock new growth opportunities for the company. </a:t>
+            </a:r>
+          </a:p>
+          <a:p>
+            <a:endParaRPr lang="en-SG" sz="1200" b="0" i="0" kern="1200" dirty="0">
+              <a:solidFill>
+                <a:schemeClr val="tx1"/>
+              </a:solidFill>
+              <a:effectLst/>
+              <a:latin typeface="+mn-lt"/>
+              <a:ea typeface="+mn-ea"/>
+              <a:cs typeface="+mn-cs"/>
+            </a:endParaRPr>
+          </a:p>
+          <a:p>
+            <a:r>
+              <a:rPr lang="en-SG" sz="1200" b="0" i="0" kern="1200" dirty="0">
+                <a:solidFill>
+                  <a:schemeClr val="tx1"/>
+                </a:solidFill>
+                <a:effectLst/>
+                <a:latin typeface="+mn-lt"/>
+                <a:ea typeface="+mn-ea"/>
+                <a:cs typeface="+mn-cs"/>
+              </a:rPr>
+              <a:t>You have been asked to focus on one of </a:t>
+            </a:r>
+            <a:r>
+              <a:rPr lang="en-SG" sz="1200" b="0" i="0" kern="1200" dirty="0" err="1">
+                <a:solidFill>
+                  <a:schemeClr val="tx1"/>
+                </a:solidFill>
+                <a:effectLst/>
+                <a:latin typeface="+mn-lt"/>
+                <a:ea typeface="+mn-ea"/>
+                <a:cs typeface="+mn-cs"/>
+              </a:rPr>
+              <a:t>Bellabeat’s</a:t>
+            </a:r>
+            <a:r>
+              <a:rPr lang="en-SG" sz="1200" b="0" i="0" kern="1200" dirty="0">
+                <a:solidFill>
+                  <a:schemeClr val="tx1"/>
+                </a:solidFill>
+                <a:effectLst/>
+                <a:latin typeface="+mn-lt"/>
+                <a:ea typeface="+mn-ea"/>
+                <a:cs typeface="+mn-cs"/>
+              </a:rPr>
+              <a:t> products and </a:t>
+            </a:r>
+            <a:r>
+              <a:rPr lang="en-SG" sz="1200" b="0" i="0" kern="1200" dirty="0" err="1">
+                <a:solidFill>
+                  <a:schemeClr val="tx1"/>
+                </a:solidFill>
+                <a:effectLst/>
+                <a:latin typeface="+mn-lt"/>
+                <a:ea typeface="+mn-ea"/>
+                <a:cs typeface="+mn-cs"/>
+              </a:rPr>
+              <a:t>analyze</a:t>
+            </a:r>
+            <a:r>
+              <a:rPr lang="en-SG" sz="1200" b="0" i="0" kern="1200" dirty="0">
+                <a:solidFill>
+                  <a:schemeClr val="tx1"/>
+                </a:solidFill>
+                <a:effectLst/>
+                <a:latin typeface="+mn-lt"/>
+                <a:ea typeface="+mn-ea"/>
+                <a:cs typeface="+mn-cs"/>
+              </a:rPr>
+              <a:t> smart device data to gain insight into how consumers are using their smart devices. </a:t>
+            </a:r>
+          </a:p>
+          <a:p>
+            <a:endParaRPr lang="en-SG" sz="1200" b="0" i="0" kern="1200" dirty="0">
+              <a:solidFill>
+                <a:schemeClr val="tx1"/>
+              </a:solidFill>
+              <a:effectLst/>
+              <a:latin typeface="+mn-lt"/>
+              <a:ea typeface="+mn-ea"/>
+              <a:cs typeface="+mn-cs"/>
+            </a:endParaRPr>
+          </a:p>
+          <a:p>
+            <a:r>
+              <a:rPr lang="en-SG" sz="1200" b="0" i="0" kern="1200" dirty="0">
+                <a:solidFill>
+                  <a:schemeClr val="tx1"/>
+                </a:solidFill>
+                <a:effectLst/>
+                <a:latin typeface="+mn-lt"/>
+                <a:ea typeface="+mn-ea"/>
+                <a:cs typeface="+mn-cs"/>
+              </a:rPr>
+              <a:t>The insights you discover will then help guide marketing strategy for the company. </a:t>
+            </a:r>
+          </a:p>
+          <a:p>
+            <a:endParaRPr lang="en-SG" sz="1200" b="0" i="0" kern="1200" dirty="0">
+              <a:solidFill>
+                <a:schemeClr val="tx1"/>
+              </a:solidFill>
+              <a:effectLst/>
+              <a:latin typeface="+mn-lt"/>
+              <a:ea typeface="+mn-ea"/>
+              <a:cs typeface="+mn-cs"/>
+            </a:endParaRPr>
+          </a:p>
+          <a:p>
+            <a:r>
+              <a:rPr lang="en-SG" sz="1200" b="0" i="0" kern="1200" dirty="0">
+                <a:solidFill>
+                  <a:schemeClr val="tx1"/>
+                </a:solidFill>
+                <a:effectLst/>
+                <a:latin typeface="+mn-lt"/>
+                <a:ea typeface="+mn-ea"/>
+                <a:cs typeface="+mn-cs"/>
+              </a:rPr>
+              <a:t>You will present your analysis to the </a:t>
+            </a:r>
+            <a:r>
+              <a:rPr lang="en-SG" sz="1200" b="0" i="0" kern="1200" dirty="0" err="1">
+                <a:solidFill>
+                  <a:schemeClr val="tx1"/>
+                </a:solidFill>
+                <a:effectLst/>
+                <a:latin typeface="+mn-lt"/>
+                <a:ea typeface="+mn-ea"/>
+                <a:cs typeface="+mn-cs"/>
+              </a:rPr>
+              <a:t>Bellabeat</a:t>
+            </a:r>
+            <a:r>
+              <a:rPr lang="en-SG" sz="1200" b="0" i="0" kern="1200" dirty="0">
+                <a:solidFill>
+                  <a:schemeClr val="tx1"/>
+                </a:solidFill>
+                <a:effectLst/>
+                <a:latin typeface="+mn-lt"/>
+                <a:ea typeface="+mn-ea"/>
+                <a:cs typeface="+mn-cs"/>
+              </a:rPr>
+              <a:t> executive team along with your high-level recommendations for </a:t>
+            </a:r>
+            <a:r>
+              <a:rPr lang="en-SG" sz="1200" b="0" i="0" kern="1200" dirty="0" err="1">
+                <a:solidFill>
+                  <a:schemeClr val="tx1"/>
+                </a:solidFill>
+                <a:effectLst/>
+                <a:latin typeface="+mn-lt"/>
+                <a:ea typeface="+mn-ea"/>
+                <a:cs typeface="+mn-cs"/>
+              </a:rPr>
+              <a:t>Bellabeat’s</a:t>
+            </a:r>
+            <a:r>
+              <a:rPr lang="en-SG" sz="1200" b="0" i="0" kern="1200" dirty="0">
+                <a:solidFill>
+                  <a:schemeClr val="tx1"/>
+                </a:solidFill>
+                <a:effectLst/>
+                <a:latin typeface="+mn-lt"/>
+                <a:ea typeface="+mn-ea"/>
+                <a:cs typeface="+mn-cs"/>
+              </a:rPr>
+              <a:t> marketing strategy.</a:t>
+            </a:r>
+          </a:p>
+          <a:p>
+            <a:endParaRPr lang="en-SG" sz="1200" b="0" i="0" kern="1200" dirty="0">
+              <a:solidFill>
+                <a:schemeClr val="tx1"/>
+              </a:solidFill>
+              <a:effectLst/>
+              <a:latin typeface="+mn-lt"/>
+              <a:ea typeface="+mn-ea"/>
+              <a:cs typeface="+mn-cs"/>
+            </a:endParaRPr>
+          </a:p>
+          <a:p>
+            <a:endParaRPr lang="en-SG" sz="1200" b="0" i="0" kern="1200" dirty="0">
+              <a:solidFill>
+                <a:schemeClr val="tx1"/>
+              </a:solidFill>
+              <a:effectLst/>
+              <a:latin typeface="+mn-lt"/>
+              <a:ea typeface="+mn-ea"/>
+              <a:cs typeface="+mn-cs"/>
+            </a:endParaRPr>
+          </a:p>
+          <a:p>
+            <a:pPr marL="0" marR="0" lvl="0" indent="0" algn="l" defTabSz="914400" rtl="0" eaLnBrk="1" fontAlgn="auto" latinLnBrk="0" hangingPunct="1">
+              <a:lnSpc>
+                <a:spcPct val="100000"/>
+              </a:lnSpc>
+              <a:spcBef>
+                <a:spcPts val="0"/>
+              </a:spcBef>
+              <a:spcAft>
+                <a:spcPts val="0"/>
+              </a:spcAft>
+              <a:buClrTx/>
+              <a:buSzTx/>
+              <a:buFontTx/>
+              <a:buNone/>
+              <a:tabLst/>
+              <a:defRPr/>
+            </a:pPr>
+            <a:r>
+              <a:rPr lang="en-SG" sz="1200" b="0" i="0" u="sng" kern="1200" dirty="0">
+                <a:solidFill>
+                  <a:schemeClr val="tx1"/>
+                </a:solidFill>
+                <a:effectLst/>
+                <a:latin typeface="+mn-lt"/>
+                <a:ea typeface="+mn-ea"/>
+                <a:cs typeface="+mn-cs"/>
+              </a:rPr>
+              <a:t>Products:</a:t>
+            </a:r>
+          </a:p>
+          <a:p>
+            <a:pPr marL="0" marR="0" lvl="0" indent="0" algn="l" defTabSz="914400" rtl="0" eaLnBrk="1" fontAlgn="auto" latinLnBrk="0" hangingPunct="1">
+              <a:lnSpc>
+                <a:spcPct val="100000"/>
+              </a:lnSpc>
+              <a:spcBef>
+                <a:spcPts val="0"/>
+              </a:spcBef>
+              <a:spcAft>
+                <a:spcPts val="0"/>
+              </a:spcAft>
+              <a:buClrTx/>
+              <a:buSzTx/>
+              <a:buFontTx/>
+              <a:buNone/>
+              <a:tabLst/>
+              <a:defRPr/>
+            </a:pPr>
+            <a:r>
+              <a:rPr lang="en-SG" sz="1200" b="1" i="0" kern="1200" dirty="0" err="1">
+                <a:solidFill>
+                  <a:schemeClr val="tx1"/>
+                </a:solidFill>
+                <a:effectLst/>
+                <a:latin typeface="+mn-lt"/>
+                <a:ea typeface="+mn-ea"/>
+                <a:cs typeface="+mn-cs"/>
+              </a:rPr>
+              <a:t>Bellabeat</a:t>
+            </a:r>
+            <a:r>
+              <a:rPr lang="en-SG" sz="1200" b="1" i="0" kern="1200" dirty="0">
+                <a:solidFill>
+                  <a:schemeClr val="tx1"/>
+                </a:solidFill>
+                <a:effectLst/>
+                <a:latin typeface="+mn-lt"/>
+                <a:ea typeface="+mn-ea"/>
+                <a:cs typeface="+mn-cs"/>
+              </a:rPr>
+              <a:t> app:</a:t>
+            </a:r>
+            <a:r>
+              <a:rPr lang="en-SG" sz="1200" b="0" i="0" kern="1200" dirty="0">
+                <a:solidFill>
+                  <a:schemeClr val="tx1"/>
+                </a:solidFill>
+                <a:effectLst/>
+                <a:latin typeface="+mn-lt"/>
+                <a:ea typeface="+mn-ea"/>
+                <a:cs typeface="+mn-cs"/>
+              </a:rPr>
+              <a:t> </a:t>
+            </a:r>
+          </a:p>
+          <a:p>
+            <a:pPr marL="0" marR="0" lvl="0" indent="0" algn="l" defTabSz="914400" rtl="0" eaLnBrk="1" fontAlgn="auto" latinLnBrk="0" hangingPunct="1">
+              <a:lnSpc>
+                <a:spcPct val="100000"/>
+              </a:lnSpc>
+              <a:spcBef>
+                <a:spcPts val="0"/>
+              </a:spcBef>
+              <a:spcAft>
+                <a:spcPts val="0"/>
+              </a:spcAft>
+              <a:buClrTx/>
+              <a:buSzTx/>
+              <a:buFontTx/>
+              <a:buNone/>
+              <a:tabLst/>
+              <a:defRPr/>
+            </a:pPr>
+            <a:r>
+              <a:rPr lang="en-SG" sz="1200" b="0" i="0" kern="1200" dirty="0">
+                <a:solidFill>
+                  <a:schemeClr val="tx1"/>
+                </a:solidFill>
+                <a:effectLst/>
+                <a:latin typeface="+mn-lt"/>
+                <a:ea typeface="+mn-ea"/>
+                <a:cs typeface="+mn-cs"/>
+              </a:rPr>
+              <a:t>The </a:t>
+            </a:r>
+            <a:r>
+              <a:rPr lang="en-SG" sz="1200" b="0" i="0" kern="1200" dirty="0" err="1">
+                <a:solidFill>
+                  <a:schemeClr val="tx1"/>
+                </a:solidFill>
+                <a:effectLst/>
+                <a:latin typeface="+mn-lt"/>
+                <a:ea typeface="+mn-ea"/>
+                <a:cs typeface="+mn-cs"/>
+              </a:rPr>
+              <a:t>Bellabeat</a:t>
+            </a:r>
+            <a:r>
+              <a:rPr lang="en-SG" sz="1200" b="0" i="0" kern="1200" dirty="0">
+                <a:solidFill>
+                  <a:schemeClr val="tx1"/>
+                </a:solidFill>
+                <a:effectLst/>
+                <a:latin typeface="+mn-lt"/>
+                <a:ea typeface="+mn-ea"/>
+                <a:cs typeface="+mn-cs"/>
+              </a:rPr>
+              <a:t> app provides users with health data related to their activity, sleep, stress, menstrual cycle, and mindfulness habits. </a:t>
+            </a:r>
+          </a:p>
+          <a:p>
+            <a:pPr marL="0" marR="0" lvl="0" indent="0" algn="l" defTabSz="914400" rtl="0" eaLnBrk="1" fontAlgn="auto" latinLnBrk="0" hangingPunct="1">
+              <a:lnSpc>
+                <a:spcPct val="100000"/>
+              </a:lnSpc>
+              <a:spcBef>
+                <a:spcPts val="0"/>
+              </a:spcBef>
+              <a:spcAft>
+                <a:spcPts val="0"/>
+              </a:spcAft>
+              <a:buClrTx/>
+              <a:buSzTx/>
+              <a:buFontTx/>
+              <a:buNone/>
+              <a:tabLst/>
+              <a:defRPr/>
+            </a:pPr>
+            <a:r>
+              <a:rPr lang="en-SG" sz="1200" b="0" i="0" kern="1200" dirty="0">
+                <a:solidFill>
+                  <a:schemeClr val="tx1"/>
+                </a:solidFill>
+                <a:effectLst/>
+                <a:latin typeface="+mn-lt"/>
+                <a:ea typeface="+mn-ea"/>
+                <a:cs typeface="+mn-cs"/>
+              </a:rPr>
+              <a:t>This data can help users better understand their current habits and make healthy decisions. </a:t>
+            </a:r>
+          </a:p>
+          <a:p>
+            <a:pPr marL="0" marR="0" lvl="0" indent="0" algn="l" defTabSz="914400" rtl="0" eaLnBrk="1" fontAlgn="auto" latinLnBrk="0" hangingPunct="1">
+              <a:lnSpc>
+                <a:spcPct val="100000"/>
+              </a:lnSpc>
+              <a:spcBef>
+                <a:spcPts val="0"/>
+              </a:spcBef>
+              <a:spcAft>
+                <a:spcPts val="0"/>
+              </a:spcAft>
+              <a:buClrTx/>
+              <a:buSzTx/>
+              <a:buFontTx/>
+              <a:buNone/>
+              <a:tabLst/>
+              <a:defRPr/>
+            </a:pPr>
+            <a:r>
+              <a:rPr lang="en-SG" sz="1200" b="0" i="0" kern="1200" dirty="0">
+                <a:solidFill>
+                  <a:schemeClr val="tx1"/>
+                </a:solidFill>
+                <a:effectLst/>
+                <a:latin typeface="+mn-lt"/>
+                <a:ea typeface="+mn-ea"/>
+                <a:cs typeface="+mn-cs"/>
+              </a:rPr>
+              <a:t>The </a:t>
+            </a:r>
+            <a:r>
+              <a:rPr lang="en-SG" sz="1200" b="0" i="0" kern="1200" dirty="0" err="1">
+                <a:solidFill>
+                  <a:schemeClr val="tx1"/>
+                </a:solidFill>
+                <a:effectLst/>
+                <a:latin typeface="+mn-lt"/>
+                <a:ea typeface="+mn-ea"/>
+                <a:cs typeface="+mn-cs"/>
+              </a:rPr>
+              <a:t>Bellabeat</a:t>
+            </a:r>
+            <a:r>
+              <a:rPr lang="en-SG" sz="1200" b="0" i="0" kern="1200" dirty="0">
+                <a:solidFill>
+                  <a:schemeClr val="tx1"/>
+                </a:solidFill>
+                <a:effectLst/>
+                <a:latin typeface="+mn-lt"/>
+                <a:ea typeface="+mn-ea"/>
+                <a:cs typeface="+mn-cs"/>
+              </a:rPr>
+              <a:t> app connects to their line of smart wellness products.</a:t>
+            </a:r>
+          </a:p>
+          <a:p>
+            <a:endParaRPr lang="en-SG" sz="1200" b="0" i="0" kern="1200" dirty="0">
+              <a:solidFill>
+                <a:schemeClr val="tx1"/>
+              </a:solidFill>
+              <a:effectLst/>
+              <a:latin typeface="+mn-lt"/>
+              <a:ea typeface="+mn-ea"/>
+              <a:cs typeface="+mn-cs"/>
+            </a:endParaRPr>
+          </a:p>
+          <a:p>
+            <a:r>
+              <a:rPr lang="en-SG" sz="1200" b="1" i="0" kern="1200" dirty="0">
+                <a:solidFill>
+                  <a:schemeClr val="tx1"/>
+                </a:solidFill>
+                <a:effectLst/>
+                <a:latin typeface="+mn-lt"/>
+                <a:ea typeface="+mn-ea"/>
+                <a:cs typeface="+mn-cs"/>
+              </a:rPr>
+              <a:t>Leaf:</a:t>
+            </a:r>
+            <a:r>
+              <a:rPr lang="en-SG" sz="1200" b="0" i="0" kern="1200" dirty="0">
+                <a:solidFill>
+                  <a:schemeClr val="tx1"/>
+                </a:solidFill>
+                <a:effectLst/>
+                <a:latin typeface="+mn-lt"/>
+                <a:ea typeface="+mn-ea"/>
+                <a:cs typeface="+mn-cs"/>
+              </a:rPr>
+              <a:t> (Accessories) – smart device</a:t>
+            </a:r>
+          </a:p>
+          <a:p>
+            <a:r>
+              <a:rPr lang="en-SG" sz="1200" b="0" i="0" kern="1200" dirty="0" err="1">
+                <a:solidFill>
+                  <a:schemeClr val="tx1"/>
+                </a:solidFill>
+                <a:effectLst/>
+                <a:latin typeface="+mn-lt"/>
+                <a:ea typeface="+mn-ea"/>
+                <a:cs typeface="+mn-cs"/>
+              </a:rPr>
+              <a:t>Bellabeat’s</a:t>
+            </a:r>
+            <a:r>
+              <a:rPr lang="en-SG" sz="1200" b="0" i="0" kern="1200" dirty="0">
+                <a:solidFill>
+                  <a:schemeClr val="tx1"/>
+                </a:solidFill>
+                <a:effectLst/>
+                <a:latin typeface="+mn-lt"/>
+                <a:ea typeface="+mn-ea"/>
+                <a:cs typeface="+mn-cs"/>
+              </a:rPr>
+              <a:t> classic wellness tracker can be worn as a bracelet, necklace, or clip. </a:t>
+            </a:r>
+          </a:p>
+          <a:p>
+            <a:r>
+              <a:rPr lang="en-SG" sz="1200" b="0" i="0" kern="1200" dirty="0">
+                <a:solidFill>
+                  <a:schemeClr val="tx1"/>
+                </a:solidFill>
+                <a:effectLst/>
+                <a:latin typeface="+mn-lt"/>
+                <a:ea typeface="+mn-ea"/>
+                <a:cs typeface="+mn-cs"/>
+              </a:rPr>
+              <a:t>The Leaf tracker connects to the </a:t>
+            </a:r>
+            <a:r>
+              <a:rPr lang="en-SG" sz="1200" b="0" i="0" kern="1200" dirty="0" err="1">
+                <a:solidFill>
+                  <a:schemeClr val="tx1"/>
+                </a:solidFill>
+                <a:effectLst/>
+                <a:latin typeface="+mn-lt"/>
+                <a:ea typeface="+mn-ea"/>
+                <a:cs typeface="+mn-cs"/>
+              </a:rPr>
+              <a:t>Bellabeat</a:t>
+            </a:r>
+            <a:r>
+              <a:rPr lang="en-SG" sz="1200" b="0" i="0" kern="1200" dirty="0">
+                <a:solidFill>
+                  <a:schemeClr val="tx1"/>
+                </a:solidFill>
+                <a:effectLst/>
+                <a:latin typeface="+mn-lt"/>
+                <a:ea typeface="+mn-ea"/>
+                <a:cs typeface="+mn-cs"/>
+              </a:rPr>
+              <a:t> app to track activity, sleep, and stress.</a:t>
+            </a:r>
+          </a:p>
+          <a:p>
+            <a:endParaRPr lang="en-SG" sz="1200" b="0" i="0" kern="1200" dirty="0">
+              <a:solidFill>
+                <a:schemeClr val="tx1"/>
+              </a:solidFill>
+              <a:effectLst/>
+              <a:latin typeface="+mn-lt"/>
+              <a:ea typeface="+mn-ea"/>
+              <a:cs typeface="+mn-cs"/>
+            </a:endParaRPr>
+          </a:p>
+          <a:p>
+            <a:r>
+              <a:rPr lang="en-SG" sz="1200" b="1" i="0" kern="1200" dirty="0">
+                <a:solidFill>
+                  <a:schemeClr val="tx1"/>
+                </a:solidFill>
+                <a:effectLst/>
+                <a:latin typeface="+mn-lt"/>
+                <a:ea typeface="+mn-ea"/>
+                <a:cs typeface="+mn-cs"/>
+              </a:rPr>
+              <a:t>Time:</a:t>
+            </a:r>
+            <a:r>
+              <a:rPr lang="en-SG" sz="1200" b="0" i="0" kern="1200" dirty="0">
+                <a:solidFill>
+                  <a:schemeClr val="tx1"/>
+                </a:solidFill>
+                <a:effectLst/>
+                <a:latin typeface="+mn-lt"/>
+                <a:ea typeface="+mn-ea"/>
+                <a:cs typeface="+mn-cs"/>
+              </a:rPr>
+              <a:t> (Watch) – smart device</a:t>
+            </a:r>
+          </a:p>
+          <a:p>
+            <a:r>
+              <a:rPr lang="en-SG" sz="1200" b="0" i="0" kern="1200" dirty="0">
+                <a:solidFill>
+                  <a:schemeClr val="tx1"/>
+                </a:solidFill>
+                <a:effectLst/>
+                <a:latin typeface="+mn-lt"/>
+                <a:ea typeface="+mn-ea"/>
+                <a:cs typeface="+mn-cs"/>
+              </a:rPr>
+              <a:t>This wellness watch combines the timeless look of a classic timepiece with smart technology to track user activity, sleep, and stress. </a:t>
+            </a:r>
+          </a:p>
+          <a:p>
+            <a:r>
+              <a:rPr lang="en-SG" sz="1200" b="0" i="0" kern="1200" dirty="0">
+                <a:solidFill>
+                  <a:schemeClr val="tx1"/>
+                </a:solidFill>
+                <a:effectLst/>
+                <a:latin typeface="+mn-lt"/>
+                <a:ea typeface="+mn-ea"/>
+                <a:cs typeface="+mn-cs"/>
+              </a:rPr>
+              <a:t>The Time watch connects to the </a:t>
+            </a:r>
+            <a:r>
+              <a:rPr lang="en-SG" sz="1200" b="0" i="0" kern="1200" dirty="0" err="1">
+                <a:solidFill>
+                  <a:schemeClr val="tx1"/>
+                </a:solidFill>
+                <a:effectLst/>
+                <a:latin typeface="+mn-lt"/>
+                <a:ea typeface="+mn-ea"/>
+                <a:cs typeface="+mn-cs"/>
+              </a:rPr>
+              <a:t>Bellabeat</a:t>
+            </a:r>
+            <a:r>
+              <a:rPr lang="en-SG" sz="1200" b="0" i="0" kern="1200" dirty="0">
+                <a:solidFill>
+                  <a:schemeClr val="tx1"/>
+                </a:solidFill>
+                <a:effectLst/>
+                <a:latin typeface="+mn-lt"/>
+                <a:ea typeface="+mn-ea"/>
+                <a:cs typeface="+mn-cs"/>
+              </a:rPr>
+              <a:t> app to provide you with insights into your daily wellness.</a:t>
+            </a:r>
+          </a:p>
+          <a:p>
+            <a:endParaRPr lang="en-SG" sz="1200" b="0" i="0" kern="1200" dirty="0">
+              <a:solidFill>
+                <a:schemeClr val="tx1"/>
+              </a:solidFill>
+              <a:effectLst/>
+              <a:latin typeface="+mn-lt"/>
+              <a:ea typeface="+mn-ea"/>
+              <a:cs typeface="+mn-cs"/>
+            </a:endParaRPr>
+          </a:p>
+          <a:p>
+            <a:r>
+              <a:rPr lang="en-SG" sz="1200" b="1" i="0" kern="1200" dirty="0">
+                <a:solidFill>
+                  <a:schemeClr val="tx1"/>
+                </a:solidFill>
+                <a:effectLst/>
+                <a:latin typeface="+mn-lt"/>
+                <a:ea typeface="+mn-ea"/>
+                <a:cs typeface="+mn-cs"/>
+              </a:rPr>
+              <a:t>Spring:</a:t>
+            </a:r>
+            <a:r>
+              <a:rPr lang="en-SG" sz="1200" b="0" i="0" kern="1200" dirty="0">
+                <a:solidFill>
+                  <a:schemeClr val="tx1"/>
+                </a:solidFill>
+                <a:effectLst/>
+                <a:latin typeface="+mn-lt"/>
+                <a:ea typeface="+mn-ea"/>
+                <a:cs typeface="+mn-cs"/>
+              </a:rPr>
+              <a:t> (</a:t>
+            </a:r>
+            <a:r>
+              <a:rPr lang="en-SG" sz="1200" b="0" i="0" kern="1200" dirty="0" err="1">
+                <a:solidFill>
+                  <a:schemeClr val="tx1"/>
+                </a:solidFill>
+                <a:effectLst/>
+                <a:latin typeface="+mn-lt"/>
+                <a:ea typeface="+mn-ea"/>
+                <a:cs typeface="+mn-cs"/>
+              </a:rPr>
+              <a:t>Waterbottle</a:t>
+            </a:r>
+            <a:r>
+              <a:rPr lang="en-SG" sz="1200" b="0" i="0" kern="1200" dirty="0">
+                <a:solidFill>
+                  <a:schemeClr val="tx1"/>
+                </a:solidFill>
+                <a:effectLst/>
+                <a:latin typeface="+mn-lt"/>
+                <a:ea typeface="+mn-ea"/>
+                <a:cs typeface="+mn-cs"/>
+              </a:rPr>
+              <a:t>) – smart device</a:t>
+            </a:r>
+          </a:p>
+          <a:p>
+            <a:r>
+              <a:rPr lang="en-SG" sz="1200" b="0" i="0" kern="1200" dirty="0">
+                <a:solidFill>
+                  <a:schemeClr val="tx1"/>
+                </a:solidFill>
+                <a:effectLst/>
+                <a:latin typeface="+mn-lt"/>
+                <a:ea typeface="+mn-ea"/>
+                <a:cs typeface="+mn-cs"/>
+              </a:rPr>
+              <a:t>This is a water bottle that tracks daily water intake using smart technology to ensure that you are appropriately hydrated throughout the day. </a:t>
+            </a:r>
+          </a:p>
+          <a:p>
+            <a:r>
+              <a:rPr lang="en-SG" sz="1200" b="0" i="0" kern="1200" dirty="0">
+                <a:solidFill>
+                  <a:schemeClr val="tx1"/>
+                </a:solidFill>
+                <a:effectLst/>
+                <a:latin typeface="+mn-lt"/>
+                <a:ea typeface="+mn-ea"/>
+                <a:cs typeface="+mn-cs"/>
+              </a:rPr>
+              <a:t>The Spring bottle connects to the </a:t>
+            </a:r>
+            <a:r>
+              <a:rPr lang="en-SG" sz="1200" b="0" i="0" kern="1200" dirty="0" err="1">
+                <a:solidFill>
+                  <a:schemeClr val="tx1"/>
+                </a:solidFill>
+                <a:effectLst/>
+                <a:latin typeface="+mn-lt"/>
+                <a:ea typeface="+mn-ea"/>
+                <a:cs typeface="+mn-cs"/>
+              </a:rPr>
+              <a:t>Bellabeat</a:t>
+            </a:r>
+            <a:r>
+              <a:rPr lang="en-SG" sz="1200" b="0" i="0" kern="1200" dirty="0">
+                <a:solidFill>
+                  <a:schemeClr val="tx1"/>
+                </a:solidFill>
+                <a:effectLst/>
+                <a:latin typeface="+mn-lt"/>
+                <a:ea typeface="+mn-ea"/>
+                <a:cs typeface="+mn-cs"/>
+              </a:rPr>
+              <a:t> app to track your hydration levels.</a:t>
+            </a:r>
+          </a:p>
+          <a:p>
+            <a:endParaRPr lang="en-SG" sz="1200" b="0" i="0" kern="1200" dirty="0">
+              <a:solidFill>
+                <a:schemeClr val="tx1"/>
+              </a:solidFill>
+              <a:effectLst/>
+              <a:latin typeface="+mn-lt"/>
+              <a:ea typeface="+mn-ea"/>
+              <a:cs typeface="+mn-cs"/>
+            </a:endParaRPr>
+          </a:p>
+          <a:p>
+            <a:r>
+              <a:rPr lang="en-SG" sz="1200" b="1" i="0" kern="1200" dirty="0" err="1">
+                <a:solidFill>
+                  <a:schemeClr val="tx1"/>
+                </a:solidFill>
+                <a:effectLst/>
+                <a:latin typeface="+mn-lt"/>
+                <a:ea typeface="+mn-ea"/>
+                <a:cs typeface="+mn-cs"/>
+              </a:rPr>
+              <a:t>Bellabeat</a:t>
+            </a:r>
+            <a:r>
+              <a:rPr lang="en-SG" sz="1200" b="1" i="0" kern="1200" dirty="0">
+                <a:solidFill>
+                  <a:schemeClr val="tx1"/>
+                </a:solidFill>
+                <a:effectLst/>
+                <a:latin typeface="+mn-lt"/>
+                <a:ea typeface="+mn-ea"/>
+                <a:cs typeface="+mn-cs"/>
+              </a:rPr>
+              <a:t> membership:</a:t>
+            </a:r>
+            <a:r>
+              <a:rPr lang="en-SG" sz="1200" b="0" i="0" kern="1200" dirty="0">
+                <a:solidFill>
+                  <a:schemeClr val="tx1"/>
+                </a:solidFill>
+                <a:effectLst/>
+                <a:latin typeface="+mn-lt"/>
+                <a:ea typeface="+mn-ea"/>
+                <a:cs typeface="+mn-cs"/>
+              </a:rPr>
+              <a:t> </a:t>
+            </a:r>
+          </a:p>
+          <a:p>
+            <a:r>
+              <a:rPr lang="en-SG" sz="1200" b="0" i="0" kern="1200" dirty="0" err="1">
+                <a:solidFill>
+                  <a:schemeClr val="tx1"/>
+                </a:solidFill>
+                <a:effectLst/>
+                <a:latin typeface="+mn-lt"/>
+                <a:ea typeface="+mn-ea"/>
+                <a:cs typeface="+mn-cs"/>
+              </a:rPr>
+              <a:t>Bellabeat</a:t>
+            </a:r>
+            <a:r>
+              <a:rPr lang="en-SG" sz="1200" b="0" i="0" kern="1200" dirty="0">
+                <a:solidFill>
+                  <a:schemeClr val="tx1"/>
+                </a:solidFill>
+                <a:effectLst/>
+                <a:latin typeface="+mn-lt"/>
+                <a:ea typeface="+mn-ea"/>
+                <a:cs typeface="+mn-cs"/>
+              </a:rPr>
+              <a:t> also offers a subscription-based membership program for users. </a:t>
+            </a:r>
+          </a:p>
+          <a:p>
+            <a:r>
+              <a:rPr lang="en-SG" sz="1200" b="0" i="0" kern="1200" dirty="0">
+                <a:solidFill>
+                  <a:schemeClr val="tx1"/>
+                </a:solidFill>
+                <a:effectLst/>
+                <a:latin typeface="+mn-lt"/>
+                <a:ea typeface="+mn-ea"/>
+                <a:cs typeface="+mn-cs"/>
+              </a:rPr>
+              <a:t>Membership gives users 24/7 access to fully personalized guidance on nutrition, activity, sleep, health and beauty, and mindfulness based on their lifestyle and goals.</a:t>
+            </a:r>
+          </a:p>
+          <a:p>
+            <a:br>
+              <a:rPr lang="en-SG" sz="1200" b="0" i="0" kern="1200" dirty="0">
+                <a:solidFill>
+                  <a:schemeClr val="tx1"/>
+                </a:solidFill>
+                <a:effectLst/>
+                <a:latin typeface="+mn-lt"/>
+                <a:ea typeface="+mn-ea"/>
+                <a:cs typeface="+mn-cs"/>
+              </a:rPr>
+            </a:br>
+            <a:endParaRPr lang="en-SG" sz="1200" b="0" i="0" kern="1200" dirty="0">
+              <a:solidFill>
+                <a:schemeClr val="tx1"/>
+              </a:solidFill>
+              <a:effectLst/>
+              <a:latin typeface="+mn-lt"/>
+              <a:ea typeface="+mn-ea"/>
+              <a:cs typeface="+mn-cs"/>
+            </a:endParaRPr>
+          </a:p>
+          <a:p>
+            <a:endParaRPr lang="en-US" dirty="0"/>
+          </a:p>
+        </p:txBody>
+      </p:sp>
+      <p:sp>
+        <p:nvSpPr>
+          <p:cNvPr id="4" name="Slide Number Placeholder 3"/>
+          <p:cNvSpPr>
+            <a:spLocks noGrp="1"/>
+          </p:cNvSpPr>
+          <p:nvPr>
+            <p:ph type="sldNum" sz="quarter" idx="5"/>
+          </p:nvPr>
+        </p:nvSpPr>
+        <p:spPr/>
+        <p:txBody>
+          <a:bodyPr/>
+          <a:lstStyle/>
+          <a:p>
+            <a:fld id="{05B23303-9999-9044-A01C-26C8E3E5ADED}" type="slidenum">
+              <a:rPr lang="en-US" smtClean="0"/>
+              <a:t>3</a:t>
+            </a:fld>
+            <a:endParaRPr lang="en-US"/>
+          </a:p>
+        </p:txBody>
+      </p:sp>
+    </p:spTree>
+    <p:extLst>
+      <p:ext uri="{BB962C8B-B14F-4D97-AF65-F5344CB8AC3E}">
+        <p14:creationId xmlns:p14="http://schemas.microsoft.com/office/powerpoint/2010/main" val="2072627403"/>
+      </p:ext>
+    </p:extLst>
+  </p:cSld>
+  <p:clrMapOvr>
+    <a:masterClrMapping/>
+  </p:clrMapOvr>
+</p:notes>
+</file>
+
+<file path=ppt/notesSlides/notesSlide2.xml><?xml version="1.0" encoding="utf-8"?>
+<p:notes xmlns:a="http://schemas.openxmlformats.org/drawingml/2006/main" xmlns:r="http://schemas.openxmlformats.org/officeDocument/2006/relationships" xmlns:p="http://schemas.openxmlformats.org/presentationml/2006/main">
+  <p:cSld>
+    <p:spTree>
+      <p:nvGrpSpPr>
+        <p:cNvPr id="1" name=""/>
+        <p:cNvGrpSpPr/>
+        <p:nvPr/>
+      </p:nvGrpSpPr>
+      <p:grpSpPr>
+        <a:xfrm>
+          <a:off x="0" y="0"/>
+          <a:ext cx="0" cy="0"/>
+          <a:chOff x="0" y="0"/>
+          <a:chExt cx="0" cy="0"/>
+        </a:xfrm>
+      </p:grpSpPr>
+      <p:sp>
+        <p:nvSpPr>
+          <p:cNvPr id="2" name="Slide Image Placeholder 1"/>
+          <p:cNvSpPr>
+            <a:spLocks noGrp="1" noRot="1" noChangeAspect="1"/>
+          </p:cNvSpPr>
+          <p:nvPr>
+            <p:ph type="sldImg"/>
+          </p:nvPr>
+        </p:nvSpPr>
+        <p:spPr/>
+      </p:sp>
+      <p:sp>
+        <p:nvSpPr>
+          <p:cNvPr id="3" name="Notes Placeholder 2"/>
+          <p:cNvSpPr>
+            <a:spLocks noGrp="1"/>
+          </p:cNvSpPr>
+          <p:nvPr>
+            <p:ph type="body" idx="1"/>
+          </p:nvPr>
+        </p:nvSpPr>
+        <p:spPr/>
+        <p:txBody>
+          <a:bodyPr/>
+          <a:lstStyle/>
+          <a:p>
+            <a:endParaRPr lang="en-US" dirty="0"/>
+          </a:p>
+        </p:txBody>
+      </p:sp>
+      <p:sp>
+        <p:nvSpPr>
+          <p:cNvPr id="4" name="Slide Number Placeholder 3"/>
+          <p:cNvSpPr>
+            <a:spLocks noGrp="1"/>
+          </p:cNvSpPr>
+          <p:nvPr>
+            <p:ph type="sldNum" sz="quarter" idx="5"/>
+          </p:nvPr>
+        </p:nvSpPr>
+        <p:spPr/>
+        <p:txBody>
+          <a:bodyPr/>
+          <a:lstStyle/>
+          <a:p>
+            <a:fld id="{05B23303-9999-9044-A01C-26C8E3E5ADED}" type="slidenum">
+              <a:rPr lang="en-US" smtClean="0"/>
+              <a:t>6</a:t>
+            </a:fld>
+            <a:endParaRPr lang="en-US"/>
+          </a:p>
+        </p:txBody>
+      </p:sp>
+    </p:spTree>
+    <p:extLst>
+      <p:ext uri="{BB962C8B-B14F-4D97-AF65-F5344CB8AC3E}">
+        <p14:creationId xmlns:p14="http://schemas.microsoft.com/office/powerpoint/2010/main" val="1048751030"/>
+      </p:ext>
+    </p:extLst>
+  </p:cSld>
+  <p:clrMapOvr>
+    <a:masterClrMapping/>
+  </p:clrMapOvr>
+</p:notes>
 </file>
 
 <file path=ppt/slideLayouts/slideLayout1.xml><?xml version="1.0" encoding="utf-8"?>
@@ -3581,10 +5164,20 @@
         </p:nvSpPr>
         <p:spPr/>
         <p:txBody>
-          <a:bodyPr/>
-          <a:lstStyle/>
-          <a:p>
-            <a:endParaRPr lang="en-US"/>
+          <a:bodyPr>
+            <a:normAutofit fontScale="90000"/>
+          </a:bodyPr>
+          <a:lstStyle/>
+          <a:p>
+            <a:r>
+              <a:rPr lang="en-SG" b="1" dirty="0" err="1"/>
+              <a:t>Bellabeat</a:t>
+            </a:r>
+            <a:r>
+              <a:rPr lang="en-SG" b="1" dirty="0"/>
+              <a:t>: Marketing Case Study with R</a:t>
+            </a:r>
+            <a:endParaRPr lang="en-US" dirty="0"/>
           </a:p>
         </p:txBody>
       </p:sp>
@@ -3604,12 +5197,32 @@
             <p:ph type="subTitle" idx="1"/>
           </p:nvPr>
         </p:nvSpPr>
-        <p:spPr/>
+        <p:spPr>
+          <a:xfrm>
+            <a:off x="2417780" y="3531204"/>
+            <a:ext cx="8637072" cy="1592125"/>
+          </a:xfrm>
+        </p:spPr>
         <p:txBody>
           <a:bodyPr/>
           <a:lstStyle/>
           <a:p>
-            <a:endParaRPr lang="en-US"/>
+            <a:r>
+              <a:rPr lang="en-US" dirty="0"/>
+              <a:t>A Google data analytics certification project</a:t>
+            </a:r>
+          </a:p>
+          <a:p>
+            <a:r>
+              <a:rPr lang="en-US" dirty="0"/>
+              <a:t>Presented by: Humphrey</a:t>
+            </a:r>
+          </a:p>
+          <a:p>
+            <a:r>
+              <a:rPr lang="en-US" dirty="0"/>
+              <a:t>Updated: 23 Sep 2021</a:t>
+            </a:r>
           </a:p>
         </p:txBody>
       </p:sp>
@@ -3617,6 +5230,2311 @@
     <p:extLst>
       <p:ext uri="{BB962C8B-B14F-4D97-AF65-F5344CB8AC3E}">
         <p14:creationId xmlns:p14="http://schemas.microsoft.com/office/powerpoint/2010/main" val="4294047506"/>
+      </p:ext>
+    </p:extLst>
+  </p:cSld>
+  <p:clrMapOvr>
+    <a:masterClrMapping/>
+  </p:clrMapOvr>
+</p:sld>
+</file>
+
+<file path=ppt/slides/slide10.xml><?xml version="1.0" encoding="utf-8"?>
+<p:sld xmlns:a="http://schemas.openxmlformats.org/drawingml/2006/main" xmlns:r="http://schemas.openxmlformats.org/officeDocument/2006/relationships" xmlns:p="http://schemas.openxmlformats.org/presentationml/2006/main">
+  <p:cSld>
+    <p:spTree>
+      <p:nvGrpSpPr>
+        <p:cNvPr id="1" name=""/>
+        <p:cNvGrpSpPr/>
+        <p:nvPr/>
+      </p:nvGrpSpPr>
+      <p:grpSpPr>
+        <a:xfrm>
+          <a:off x="0" y="0"/>
+          <a:ext cx="0" cy="0"/>
+          <a:chOff x="0" y="0"/>
+          <a:chExt cx="0" cy="0"/>
+        </a:xfrm>
+      </p:grpSpPr>
+      <p:sp>
+        <p:nvSpPr>
+          <p:cNvPr id="2" name="Title 1">
+            <a:extLst>
+              <a:ext uri="{FF2B5EF4-FFF2-40B4-BE49-F238E27FC236}">
+                <a16:creationId xmlns:a16="http://schemas.microsoft.com/office/drawing/2014/main" id="{7FE79BAB-5EDB-604C-945F-9007BF29F386}"/>
+              </a:ext>
+            </a:extLst>
+          </p:cNvPr>
+          <p:cNvSpPr>
+            <a:spLocks noGrp="1"/>
+          </p:cNvSpPr>
+          <p:nvPr>
+            <p:ph type="title"/>
+          </p:nvPr>
+        </p:nvSpPr>
+        <p:spPr/>
+        <p:txBody>
+          <a:bodyPr/>
+          <a:lstStyle/>
+          <a:p>
+            <a:r>
+              <a:rPr lang="en-US" dirty="0"/>
+              <a:t>Statistical summary</a:t>
+            </a:r>
+          </a:p>
+        </p:txBody>
+      </p:sp>
+      <p:sp>
+        <p:nvSpPr>
+          <p:cNvPr id="4" name="Content Placeholder 3">
+            <a:extLst>
+              <a:ext uri="{FF2B5EF4-FFF2-40B4-BE49-F238E27FC236}">
+                <a16:creationId xmlns:a16="http://schemas.microsoft.com/office/drawing/2014/main" id="{71F7A2AC-2AC1-ED42-9914-F0F31BE875FD}"/>
+              </a:ext>
+            </a:extLst>
+          </p:cNvPr>
+          <p:cNvSpPr>
+            <a:spLocks noGrp="1"/>
+          </p:cNvSpPr>
+          <p:nvPr>
+            <p:ph sz="half" idx="2"/>
+          </p:nvPr>
+        </p:nvSpPr>
+        <p:spPr/>
+        <p:txBody>
+          <a:bodyPr>
+            <a:normAutofit/>
+          </a:bodyPr>
+          <a:lstStyle/>
+          <a:p>
+            <a:pPr algn="just"/>
+            <a:r>
+              <a:rPr lang="en-US" dirty="0"/>
+              <a:t>Daily asleep hours (Boxplot)</a:t>
+            </a:r>
+          </a:p>
+          <a:p>
+            <a:pPr algn="just"/>
+            <a:r>
+              <a:rPr lang="en-US" dirty="0"/>
+              <a:t>About 50% (Q1 to Q3) between 6 to 8 hours</a:t>
+            </a:r>
+          </a:p>
+          <a:p>
+            <a:pPr algn="just"/>
+            <a:r>
+              <a:rPr lang="en-US" dirty="0"/>
+              <a:t>About 25% sleep less than 6 hours, significant proportion?</a:t>
+            </a:r>
+          </a:p>
+          <a:p>
+            <a:pPr algn="just"/>
+            <a:r>
+              <a:rPr lang="en-US" dirty="0"/>
+              <a:t>Potential value to unlock: Can a smart device feature increase daily sleep hours and quality via recommended usage?</a:t>
+            </a:r>
+          </a:p>
+        </p:txBody>
+      </p:sp>
+      <p:pic>
+        <p:nvPicPr>
+          <p:cNvPr id="5" name="Content Placeholder 13">
+            <a:extLst>
+              <a:ext uri="{FF2B5EF4-FFF2-40B4-BE49-F238E27FC236}">
+                <a16:creationId xmlns:a16="http://schemas.microsoft.com/office/drawing/2014/main" id="{FE370B71-6326-FC41-81F9-BFA49822828D}"/>
+              </a:ext>
+            </a:extLst>
+          </p:cNvPr>
+          <p:cNvPicPr>
+            <a:picLocks noGrp="1" noChangeAspect="1"/>
+          </p:cNvPicPr>
+          <p:nvPr>
+            <p:ph sz="half" idx="1"/>
+          </p:nvPr>
+        </p:nvPicPr>
+        <p:blipFill>
+          <a:blip r:embed="rId2"/>
+          <a:srcRect/>
+          <a:stretch/>
+        </p:blipFill>
+        <p:spPr>
+          <a:xfrm>
+            <a:off x="1449217" y="1950392"/>
+            <a:ext cx="3448050" cy="3448050"/>
+          </a:xfrm>
+        </p:spPr>
+      </p:pic>
+    </p:spTree>
+    <p:extLst>
+      <p:ext uri="{BB962C8B-B14F-4D97-AF65-F5344CB8AC3E}">
+        <p14:creationId xmlns:p14="http://schemas.microsoft.com/office/powerpoint/2010/main" val="387767703"/>
+      </p:ext>
+    </p:extLst>
+  </p:cSld>
+  <p:clrMapOvr>
+    <a:masterClrMapping/>
+  </p:clrMapOvr>
+</p:sld>
+</file>
+
+<file path=ppt/slides/slide11.xml><?xml version="1.0" encoding="utf-8"?>
+<p:sld xmlns:a="http://schemas.openxmlformats.org/drawingml/2006/main" xmlns:r="http://schemas.openxmlformats.org/officeDocument/2006/relationships" xmlns:p="http://schemas.openxmlformats.org/presentationml/2006/main">
+  <p:cSld>
+    <p:spTree>
+      <p:nvGrpSpPr>
+        <p:cNvPr id="1" name=""/>
+        <p:cNvGrpSpPr/>
+        <p:nvPr/>
+      </p:nvGrpSpPr>
+      <p:grpSpPr>
+        <a:xfrm>
+          <a:off x="0" y="0"/>
+          <a:ext cx="0" cy="0"/>
+          <a:chOff x="0" y="0"/>
+          <a:chExt cx="0" cy="0"/>
+        </a:xfrm>
+      </p:grpSpPr>
+      <p:sp>
+        <p:nvSpPr>
+          <p:cNvPr id="2" name="Title 1">
+            <a:extLst>
+              <a:ext uri="{FF2B5EF4-FFF2-40B4-BE49-F238E27FC236}">
+                <a16:creationId xmlns:a16="http://schemas.microsoft.com/office/drawing/2014/main" id="{7FE79BAB-5EDB-604C-945F-9007BF29F386}"/>
+              </a:ext>
+            </a:extLst>
+          </p:cNvPr>
+          <p:cNvSpPr>
+            <a:spLocks noGrp="1"/>
+          </p:cNvSpPr>
+          <p:nvPr>
+            <p:ph type="title"/>
+          </p:nvPr>
+        </p:nvSpPr>
+        <p:spPr/>
+        <p:txBody>
+          <a:bodyPr/>
+          <a:lstStyle/>
+          <a:p>
+            <a:r>
+              <a:rPr lang="en-US" dirty="0"/>
+              <a:t>Statistical summary</a:t>
+            </a:r>
+          </a:p>
+        </p:txBody>
+      </p:sp>
+      <p:sp>
+        <p:nvSpPr>
+          <p:cNvPr id="4" name="Content Placeholder 3">
+            <a:extLst>
+              <a:ext uri="{FF2B5EF4-FFF2-40B4-BE49-F238E27FC236}">
+                <a16:creationId xmlns:a16="http://schemas.microsoft.com/office/drawing/2014/main" id="{71F7A2AC-2AC1-ED42-9914-F0F31BE875FD}"/>
+              </a:ext>
+            </a:extLst>
+          </p:cNvPr>
+          <p:cNvSpPr>
+            <a:spLocks noGrp="1"/>
+          </p:cNvSpPr>
+          <p:nvPr>
+            <p:ph sz="half" idx="2"/>
+          </p:nvPr>
+        </p:nvSpPr>
+        <p:spPr/>
+        <p:txBody>
+          <a:bodyPr>
+            <a:normAutofit fontScale="77500" lnSpcReduction="20000"/>
+          </a:bodyPr>
+          <a:lstStyle/>
+          <a:p>
+            <a:pPr algn="just"/>
+            <a:r>
+              <a:rPr lang="en-US" dirty="0"/>
+              <a:t>It would appear that there are severe cases of insomnia for sedentary sampled </a:t>
+            </a:r>
+            <a:r>
+              <a:rPr lang="en-US" dirty="0" err="1"/>
+              <a:t>FitBit</a:t>
+            </a:r>
+            <a:r>
+              <a:rPr lang="en-US" dirty="0"/>
+              <a:t> users, as it can be seen that sleeping hours are decreasing beyond the mark for 10 daily sedentary hours. </a:t>
+            </a:r>
+          </a:p>
+          <a:p>
+            <a:pPr algn="just"/>
+            <a:r>
+              <a:rPr lang="en-US" dirty="0"/>
+              <a:t> A possible theory would be that they are not tired enough to sleep at night as their lifestyles are not very physically active.</a:t>
+            </a:r>
+          </a:p>
+          <a:p>
+            <a:pPr algn="just"/>
+            <a:r>
+              <a:rPr lang="en-US" dirty="0" err="1"/>
+              <a:t>BellaBeat</a:t>
+            </a:r>
+            <a:r>
+              <a:rPr lang="en-US" dirty="0"/>
+              <a:t> can potentially focus on improving the sleeping quality and hours by implementing product features and marketing activities to encourage a higher activity level for women.</a:t>
+            </a:r>
+          </a:p>
+        </p:txBody>
+      </p:sp>
+      <p:pic>
+        <p:nvPicPr>
+          <p:cNvPr id="5" name="Content Placeholder 13">
+            <a:extLst>
+              <a:ext uri="{FF2B5EF4-FFF2-40B4-BE49-F238E27FC236}">
+                <a16:creationId xmlns:a16="http://schemas.microsoft.com/office/drawing/2014/main" id="{FE370B71-6326-FC41-81F9-BFA49822828D}"/>
+              </a:ext>
+            </a:extLst>
+          </p:cNvPr>
+          <p:cNvPicPr>
+            <a:picLocks noGrp="1" noChangeAspect="1"/>
+          </p:cNvPicPr>
+          <p:nvPr>
+            <p:ph sz="half" idx="1"/>
+          </p:nvPr>
+        </p:nvPicPr>
+        <p:blipFill>
+          <a:blip r:embed="rId2"/>
+          <a:srcRect/>
+          <a:stretch/>
+        </p:blipFill>
+        <p:spPr>
+          <a:xfrm>
+            <a:off x="1449217" y="1956411"/>
+            <a:ext cx="4921707" cy="3037396"/>
+          </a:xfrm>
+        </p:spPr>
+      </p:pic>
+    </p:spTree>
+    <p:extLst>
+      <p:ext uri="{BB962C8B-B14F-4D97-AF65-F5344CB8AC3E}">
+        <p14:creationId xmlns:p14="http://schemas.microsoft.com/office/powerpoint/2010/main" val="687536301"/>
+      </p:ext>
+    </p:extLst>
+  </p:cSld>
+  <p:clrMapOvr>
+    <a:masterClrMapping/>
+  </p:clrMapOvr>
+</p:sld>
+</file>
+
+<file path=ppt/slides/slide12.xml><?xml version="1.0" encoding="utf-8"?>
+<p:sld xmlns:a="http://schemas.openxmlformats.org/drawingml/2006/main" xmlns:r="http://schemas.openxmlformats.org/officeDocument/2006/relationships" xmlns:p="http://schemas.openxmlformats.org/presentationml/2006/main">
+  <p:cSld>
+    <p:spTree>
+      <p:nvGrpSpPr>
+        <p:cNvPr id="1" name=""/>
+        <p:cNvGrpSpPr/>
+        <p:nvPr/>
+      </p:nvGrpSpPr>
+      <p:grpSpPr>
+        <a:xfrm>
+          <a:off x="0" y="0"/>
+          <a:ext cx="0" cy="0"/>
+          <a:chOff x="0" y="0"/>
+          <a:chExt cx="0" cy="0"/>
+        </a:xfrm>
+      </p:grpSpPr>
+      <p:sp>
+        <p:nvSpPr>
+          <p:cNvPr id="2" name="Title 1">
+            <a:extLst>
+              <a:ext uri="{FF2B5EF4-FFF2-40B4-BE49-F238E27FC236}">
+                <a16:creationId xmlns:a16="http://schemas.microsoft.com/office/drawing/2014/main" id="{F9924F3E-26B9-EA4E-B4E8-D4B9D8D98FE2}"/>
+              </a:ext>
+            </a:extLst>
+          </p:cNvPr>
+          <p:cNvSpPr>
+            <a:spLocks noGrp="1"/>
+          </p:cNvSpPr>
+          <p:nvPr>
+            <p:ph type="title"/>
+          </p:nvPr>
+        </p:nvSpPr>
+        <p:spPr/>
+        <p:txBody>
+          <a:bodyPr/>
+          <a:lstStyle/>
+          <a:p>
+            <a:r>
+              <a:rPr lang="en-US" dirty="0" err="1"/>
+              <a:t>conclusionS</a:t>
+            </a:r>
+            <a:endParaRPr lang="en-US" dirty="0"/>
+          </a:p>
+        </p:txBody>
+      </p:sp>
+      <p:sp>
+        <p:nvSpPr>
+          <p:cNvPr id="3" name="Text Placeholder 2">
+            <a:extLst>
+              <a:ext uri="{FF2B5EF4-FFF2-40B4-BE49-F238E27FC236}">
+                <a16:creationId xmlns:a16="http://schemas.microsoft.com/office/drawing/2014/main" id="{D8BDF8A7-C87A-484F-BC98-867C5070C7D9}"/>
+              </a:ext>
+            </a:extLst>
+          </p:cNvPr>
+          <p:cNvSpPr>
+            <a:spLocks noGrp="1"/>
+          </p:cNvSpPr>
+          <p:nvPr>
+            <p:ph type="body" idx="1"/>
+          </p:nvPr>
+        </p:nvSpPr>
+        <p:spPr/>
+        <p:txBody>
+          <a:bodyPr/>
+          <a:lstStyle/>
+          <a:p>
+            <a:r>
+              <a:rPr lang="en-US" dirty="0"/>
+              <a:t>Key observations</a:t>
+            </a:r>
+          </a:p>
+        </p:txBody>
+      </p:sp>
+      <p:sp>
+        <p:nvSpPr>
+          <p:cNvPr id="4" name="Content Placeholder 3">
+            <a:extLst>
+              <a:ext uri="{FF2B5EF4-FFF2-40B4-BE49-F238E27FC236}">
+                <a16:creationId xmlns:a16="http://schemas.microsoft.com/office/drawing/2014/main" id="{4E80F4F3-6577-6840-A8FB-A0F98A0F30DB}"/>
+              </a:ext>
+            </a:extLst>
+          </p:cNvPr>
+          <p:cNvSpPr>
+            <a:spLocks noGrp="1"/>
+          </p:cNvSpPr>
+          <p:nvPr>
+            <p:ph sz="half" idx="2"/>
+          </p:nvPr>
+        </p:nvSpPr>
+        <p:spPr/>
+        <p:txBody>
+          <a:bodyPr>
+            <a:normAutofit fontScale="77500" lnSpcReduction="20000"/>
+          </a:bodyPr>
+          <a:lstStyle/>
+          <a:p>
+            <a:pPr algn="just"/>
+            <a:r>
+              <a:rPr lang="en-US" dirty="0"/>
+              <a:t>Significant proportion (about 25%) of observations with daily sedentary hours above 20 hours.</a:t>
+            </a:r>
+          </a:p>
+          <a:p>
+            <a:pPr algn="just"/>
+            <a:r>
+              <a:rPr lang="en-US" dirty="0"/>
+              <a:t>Significant proportion (about 25%) of observations with daily asleep hours below 6 hours.</a:t>
+            </a:r>
+          </a:p>
+          <a:p>
+            <a:pPr algn="just"/>
+            <a:r>
+              <a:rPr lang="en-US" dirty="0"/>
+              <a:t>High levels of daily sedentary hours are correlated with high levels of insufficient sleeping hours, indicating insomnia.</a:t>
+            </a:r>
+          </a:p>
+        </p:txBody>
+      </p:sp>
+      <p:sp>
+        <p:nvSpPr>
+          <p:cNvPr id="5" name="Text Placeholder 4">
+            <a:extLst>
+              <a:ext uri="{FF2B5EF4-FFF2-40B4-BE49-F238E27FC236}">
+                <a16:creationId xmlns:a16="http://schemas.microsoft.com/office/drawing/2014/main" id="{03D22F8D-F57B-5D4B-9BDB-0A100B2DB0CB}"/>
+              </a:ext>
+            </a:extLst>
+          </p:cNvPr>
+          <p:cNvSpPr>
+            <a:spLocks noGrp="1"/>
+          </p:cNvSpPr>
+          <p:nvPr>
+            <p:ph type="body" sz="quarter" idx="3"/>
+          </p:nvPr>
+        </p:nvSpPr>
+        <p:spPr/>
+        <p:txBody>
+          <a:bodyPr/>
+          <a:lstStyle/>
+          <a:p>
+            <a:r>
+              <a:rPr lang="en-US" dirty="0"/>
+              <a:t>Insights and Recommendations</a:t>
+            </a:r>
+          </a:p>
+        </p:txBody>
+      </p:sp>
+      <p:sp>
+        <p:nvSpPr>
+          <p:cNvPr id="6" name="Content Placeholder 5">
+            <a:extLst>
+              <a:ext uri="{FF2B5EF4-FFF2-40B4-BE49-F238E27FC236}">
+                <a16:creationId xmlns:a16="http://schemas.microsoft.com/office/drawing/2014/main" id="{F89BFE8F-1DE5-724E-B4E0-8EEDFD609A33}"/>
+              </a:ext>
+            </a:extLst>
+          </p:cNvPr>
+          <p:cNvSpPr>
+            <a:spLocks noGrp="1"/>
+          </p:cNvSpPr>
+          <p:nvPr>
+            <p:ph sz="quarter" idx="4"/>
+          </p:nvPr>
+        </p:nvSpPr>
+        <p:spPr/>
+        <p:txBody>
+          <a:bodyPr>
+            <a:normAutofit fontScale="77500" lnSpcReduction="20000"/>
+          </a:bodyPr>
+          <a:lstStyle/>
+          <a:p>
+            <a:r>
+              <a:rPr lang="en-US" dirty="0"/>
+              <a:t>Inversely, it is suggested that higher levels of physical activities (lower levels of sedentary hours) would hence improve the quality of life by improving sleeping hours and quality.</a:t>
+            </a:r>
+          </a:p>
+          <a:p>
+            <a:r>
+              <a:rPr lang="en-US" dirty="0" err="1"/>
+              <a:t>Customise</a:t>
+            </a:r>
+            <a:r>
+              <a:rPr lang="en-US" dirty="0"/>
+              <a:t> product features, marketing message and recommended usage of </a:t>
+            </a:r>
+            <a:r>
+              <a:rPr lang="en-US" dirty="0" err="1"/>
+              <a:t>Bellabeat</a:t>
+            </a:r>
+            <a:r>
+              <a:rPr lang="en-US" dirty="0"/>
+              <a:t> products to target women to be less sedentary.</a:t>
+            </a:r>
+          </a:p>
+        </p:txBody>
+      </p:sp>
+    </p:spTree>
+    <p:extLst>
+      <p:ext uri="{BB962C8B-B14F-4D97-AF65-F5344CB8AC3E}">
+        <p14:creationId xmlns:p14="http://schemas.microsoft.com/office/powerpoint/2010/main" val="3286218989"/>
+      </p:ext>
+    </p:extLst>
+  </p:cSld>
+  <p:clrMapOvr>
+    <a:masterClrMapping/>
+  </p:clrMapOvr>
+</p:sld>
+</file>
+
+<file path=ppt/slides/slide13.xml><?xml version="1.0" encoding="utf-8"?>
+<p:sld xmlns:a="http://schemas.openxmlformats.org/drawingml/2006/main" xmlns:r="http://schemas.openxmlformats.org/officeDocument/2006/relationships" xmlns:p="http://schemas.openxmlformats.org/presentationml/2006/main">
+  <p:cSld>
+    <p:spTree>
+      <p:nvGrpSpPr>
+        <p:cNvPr id="1" name=""/>
+        <p:cNvGrpSpPr/>
+        <p:nvPr/>
+      </p:nvGrpSpPr>
+      <p:grpSpPr>
+        <a:xfrm>
+          <a:off x="0" y="0"/>
+          <a:ext cx="0" cy="0"/>
+          <a:chOff x="0" y="0"/>
+          <a:chExt cx="0" cy="0"/>
+        </a:xfrm>
+      </p:grpSpPr>
+      <p:sp>
+        <p:nvSpPr>
+          <p:cNvPr id="2" name="Title 1">
+            <a:extLst>
+              <a:ext uri="{FF2B5EF4-FFF2-40B4-BE49-F238E27FC236}">
+                <a16:creationId xmlns:a16="http://schemas.microsoft.com/office/drawing/2014/main" id="{6DB92A32-62FB-4640-98DB-E09C9ABAB2CE}"/>
+              </a:ext>
+            </a:extLst>
+          </p:cNvPr>
+          <p:cNvSpPr>
+            <a:spLocks noGrp="1"/>
+          </p:cNvSpPr>
+          <p:nvPr>
+            <p:ph type="title"/>
+          </p:nvPr>
+        </p:nvSpPr>
+        <p:spPr/>
+        <p:txBody>
+          <a:bodyPr/>
+          <a:lstStyle/>
+          <a:p>
+            <a:r>
+              <a:rPr lang="en-US" dirty="0"/>
+              <a:t>Appendix - DATA PROCESSING DETAILS</a:t>
+            </a:r>
+          </a:p>
+        </p:txBody>
+      </p:sp>
+      <p:sp>
+        <p:nvSpPr>
+          <p:cNvPr id="3" name="Content Placeholder 2">
+            <a:extLst>
+              <a:ext uri="{FF2B5EF4-FFF2-40B4-BE49-F238E27FC236}">
+                <a16:creationId xmlns:a16="http://schemas.microsoft.com/office/drawing/2014/main" id="{532BE10A-DCE4-DD49-AF27-98AE8D575E16}"/>
+              </a:ext>
+            </a:extLst>
+          </p:cNvPr>
+          <p:cNvSpPr>
+            <a:spLocks noGrp="1"/>
+          </p:cNvSpPr>
+          <p:nvPr>
+            <p:ph idx="1"/>
+          </p:nvPr>
+        </p:nvSpPr>
+        <p:spPr/>
+        <p:txBody>
+          <a:bodyPr/>
+          <a:lstStyle/>
+          <a:p>
+            <a:r>
+              <a:rPr lang="en-US" dirty="0"/>
+              <a:t>For further details on the data analytic processes including data cleaning, refer to </a:t>
+            </a:r>
+            <a:r>
+              <a:rPr lang="en-US" dirty="0">
+                <a:hlinkClick r:id="rId2"/>
+              </a:rPr>
+              <a:t>link to R markdown file hosted on Kaggle.</a:t>
+            </a:r>
+            <a:endParaRPr lang="en-US" dirty="0"/>
+          </a:p>
+          <a:p>
+            <a:endParaRPr lang="en-US" dirty="0"/>
+          </a:p>
+          <a:p>
+            <a:endParaRPr lang="en-US" dirty="0"/>
+          </a:p>
+        </p:txBody>
+      </p:sp>
+    </p:spTree>
+    <p:extLst>
+      <p:ext uri="{BB962C8B-B14F-4D97-AF65-F5344CB8AC3E}">
+        <p14:creationId xmlns:p14="http://schemas.microsoft.com/office/powerpoint/2010/main" val="535469590"/>
+      </p:ext>
+    </p:extLst>
+  </p:cSld>
+  <p:clrMapOvr>
+    <a:masterClrMapping/>
+  </p:clrMapOvr>
+</p:sld>
+</file>
+
+<file path=ppt/slides/slide14.xml><?xml version="1.0" encoding="utf-8"?>
+<p:sld xmlns:a="http://schemas.openxmlformats.org/drawingml/2006/main" xmlns:r="http://schemas.openxmlformats.org/officeDocument/2006/relationships" xmlns:p="http://schemas.openxmlformats.org/presentationml/2006/main">
+  <p:cSld>
+    <p:spTree>
+      <p:nvGrpSpPr>
+        <p:cNvPr id="1" name=""/>
+        <p:cNvGrpSpPr/>
+        <p:nvPr/>
+      </p:nvGrpSpPr>
+      <p:grpSpPr>
+        <a:xfrm>
+          <a:off x="0" y="0"/>
+          <a:ext cx="0" cy="0"/>
+          <a:chOff x="0" y="0"/>
+          <a:chExt cx="0" cy="0"/>
+        </a:xfrm>
+      </p:grpSpPr>
+      <p:sp>
+        <p:nvSpPr>
+          <p:cNvPr id="2" name="Title 1">
+            <a:extLst>
+              <a:ext uri="{FF2B5EF4-FFF2-40B4-BE49-F238E27FC236}">
+                <a16:creationId xmlns:a16="http://schemas.microsoft.com/office/drawing/2014/main" id="{8937B845-C207-FE44-B497-559A9566BC7B}"/>
+              </a:ext>
+            </a:extLst>
+          </p:cNvPr>
+          <p:cNvSpPr>
+            <a:spLocks noGrp="1"/>
+          </p:cNvSpPr>
+          <p:nvPr>
+            <p:ph type="ctrTitle"/>
+          </p:nvPr>
+        </p:nvSpPr>
+        <p:spPr/>
+        <p:txBody>
+          <a:bodyPr/>
+          <a:lstStyle/>
+          <a:p>
+            <a:r>
+              <a:rPr lang="en-US" dirty="0"/>
+              <a:t>Thank you</a:t>
+            </a:r>
+          </a:p>
+        </p:txBody>
+      </p:sp>
+    </p:spTree>
+    <p:extLst>
+      <p:ext uri="{BB962C8B-B14F-4D97-AF65-F5344CB8AC3E}">
+        <p14:creationId xmlns:p14="http://schemas.microsoft.com/office/powerpoint/2010/main" val="3557277689"/>
+      </p:ext>
+    </p:extLst>
+  </p:cSld>
+  <p:clrMapOvr>
+    <a:masterClrMapping/>
+  </p:clrMapOvr>
+</p:sld>
+</file>
+
+<file path=ppt/slides/slide2.xml><?xml version="1.0" encoding="utf-8"?>
+<p:sld xmlns:a="http://schemas.openxmlformats.org/drawingml/2006/main" xmlns:r="http://schemas.openxmlformats.org/officeDocument/2006/relationships" xmlns:p="http://schemas.openxmlformats.org/presentationml/2006/main">
+  <p:cSld>
+    <p:spTree>
+      <p:nvGrpSpPr>
+        <p:cNvPr id="1" name=""/>
+        <p:cNvGrpSpPr/>
+        <p:nvPr/>
+      </p:nvGrpSpPr>
+      <p:grpSpPr>
+        <a:xfrm>
+          <a:off x="0" y="0"/>
+          <a:ext cx="0" cy="0"/>
+          <a:chOff x="0" y="0"/>
+          <a:chExt cx="0" cy="0"/>
+        </a:xfrm>
+      </p:grpSpPr>
+      <p:sp>
+        <p:nvSpPr>
+          <p:cNvPr id="2" name="Title 1">
+            <a:extLst>
+              <a:ext uri="{FF2B5EF4-FFF2-40B4-BE49-F238E27FC236}">
+                <a16:creationId xmlns:a16="http://schemas.microsoft.com/office/drawing/2014/main" id="{187B3303-0D05-A54A-8A63-72B2917490F9}"/>
+              </a:ext>
+            </a:extLst>
+          </p:cNvPr>
+          <p:cNvSpPr>
+            <a:spLocks noGrp="1"/>
+          </p:cNvSpPr>
+          <p:nvPr>
+            <p:ph type="title"/>
+          </p:nvPr>
+        </p:nvSpPr>
+        <p:spPr/>
+        <p:txBody>
+          <a:bodyPr/>
+          <a:lstStyle/>
+          <a:p>
+            <a:r>
+              <a:rPr lang="en-US" dirty="0"/>
+              <a:t>Table of content</a:t>
+            </a:r>
+          </a:p>
+        </p:txBody>
+      </p:sp>
+      <p:sp>
+        <p:nvSpPr>
+          <p:cNvPr id="3" name="Content Placeholder 2">
+            <a:extLst>
+              <a:ext uri="{FF2B5EF4-FFF2-40B4-BE49-F238E27FC236}">
+                <a16:creationId xmlns:a16="http://schemas.microsoft.com/office/drawing/2014/main" id="{B18A7D51-3C36-9E47-8DC7-711A41ACA908}"/>
+              </a:ext>
+            </a:extLst>
+          </p:cNvPr>
+          <p:cNvSpPr>
+            <a:spLocks noGrp="1"/>
+          </p:cNvSpPr>
+          <p:nvPr>
+            <p:ph idx="1"/>
+          </p:nvPr>
+        </p:nvSpPr>
+        <p:spPr/>
+        <p:txBody>
+          <a:bodyPr/>
+          <a:lstStyle/>
+          <a:p>
+            <a:r>
+              <a:rPr lang="en-US" cap="all" dirty="0"/>
+              <a:t>INTRODUCTION TO SCENARIO</a:t>
+            </a:r>
+          </a:p>
+          <a:p>
+            <a:r>
+              <a:rPr lang="en-US" cap="all" dirty="0"/>
+              <a:t>PURPOSE AND LIMITATION OF SCOPE FOR DATA ANALYSIS PROJECT</a:t>
+            </a:r>
+          </a:p>
+          <a:p>
+            <a:r>
+              <a:rPr lang="en-US" cap="all" dirty="0"/>
+              <a:t>ABOUT THE DATASET</a:t>
+            </a:r>
+          </a:p>
+          <a:p>
+            <a:r>
+              <a:rPr lang="en-US" cap="all" dirty="0"/>
+              <a:t>Limitations of data analysis project</a:t>
+            </a:r>
+          </a:p>
+          <a:p>
+            <a:r>
+              <a:rPr lang="en-US" cap="all" dirty="0"/>
+              <a:t>Statistical summary</a:t>
+            </a:r>
+          </a:p>
+          <a:p>
+            <a:r>
+              <a:rPr lang="en-US" cap="all" dirty="0"/>
+              <a:t>CONCLUSIONS</a:t>
+            </a:r>
+          </a:p>
+          <a:p>
+            <a:r>
+              <a:rPr lang="en-US" cap="all" dirty="0"/>
+              <a:t>Appendix - DATA PROCESSING DETAILS</a:t>
+            </a:r>
+          </a:p>
+          <a:p>
+            <a:endParaRPr lang="en-US" dirty="0"/>
+          </a:p>
+        </p:txBody>
+      </p:sp>
+    </p:spTree>
+    <p:extLst>
+      <p:ext uri="{BB962C8B-B14F-4D97-AF65-F5344CB8AC3E}">
+        <p14:creationId xmlns:p14="http://schemas.microsoft.com/office/powerpoint/2010/main" val="2751693992"/>
+      </p:ext>
+    </p:extLst>
+  </p:cSld>
+  <p:clrMapOvr>
+    <a:masterClrMapping/>
+  </p:clrMapOvr>
+</p:sld>
+</file>
+
+<file path=ppt/slides/slide3.xml><?xml version="1.0" encoding="utf-8"?>
+<p:sld xmlns:a="http://schemas.openxmlformats.org/drawingml/2006/main" xmlns:r="http://schemas.openxmlformats.org/officeDocument/2006/relationships" xmlns:p="http://schemas.openxmlformats.org/presentationml/2006/main">
+  <p:cSld>
+    <p:spTree>
+      <p:nvGrpSpPr>
+        <p:cNvPr id="1" name=""/>
+        <p:cNvGrpSpPr/>
+        <p:nvPr/>
+      </p:nvGrpSpPr>
+      <p:grpSpPr>
+        <a:xfrm>
+          <a:off x="0" y="0"/>
+          <a:ext cx="0" cy="0"/>
+          <a:chOff x="0" y="0"/>
+          <a:chExt cx="0" cy="0"/>
+        </a:xfrm>
+      </p:grpSpPr>
+      <p:sp>
+        <p:nvSpPr>
+          <p:cNvPr id="2" name="Title 1">
+            <a:extLst>
+              <a:ext uri="{FF2B5EF4-FFF2-40B4-BE49-F238E27FC236}">
+                <a16:creationId xmlns:a16="http://schemas.microsoft.com/office/drawing/2014/main" id="{7FE79BAB-5EDB-604C-945F-9007BF29F386}"/>
+              </a:ext>
+            </a:extLst>
+          </p:cNvPr>
+          <p:cNvSpPr>
+            <a:spLocks noGrp="1"/>
+          </p:cNvSpPr>
+          <p:nvPr>
+            <p:ph type="title"/>
+          </p:nvPr>
+        </p:nvSpPr>
+        <p:spPr/>
+        <p:txBody>
+          <a:bodyPr/>
+          <a:lstStyle/>
+          <a:p>
+            <a:r>
+              <a:rPr lang="en-US" dirty="0"/>
+              <a:t>Introduction TO SCENARIO</a:t>
+            </a:r>
+          </a:p>
+        </p:txBody>
+      </p:sp>
+      <p:sp>
+        <p:nvSpPr>
+          <p:cNvPr id="3" name="Content Placeholder 2">
+            <a:extLst>
+              <a:ext uri="{FF2B5EF4-FFF2-40B4-BE49-F238E27FC236}">
+                <a16:creationId xmlns:a16="http://schemas.microsoft.com/office/drawing/2014/main" id="{8FF51DB0-5CAB-6B43-9A8E-26E439A83F2D}"/>
+              </a:ext>
+            </a:extLst>
+          </p:cNvPr>
+          <p:cNvSpPr>
+            <a:spLocks noGrp="1"/>
+          </p:cNvSpPr>
+          <p:nvPr>
+            <p:ph sz="half" idx="1"/>
+          </p:nvPr>
+        </p:nvSpPr>
+        <p:spPr>
+          <a:xfrm>
+            <a:off x="1447332" y="2010878"/>
+            <a:ext cx="1991608" cy="3813450"/>
+          </a:xfrm>
+        </p:spPr>
+        <p:txBody>
+          <a:bodyPr>
+            <a:normAutofit fontScale="85000" lnSpcReduction="20000"/>
+          </a:bodyPr>
+          <a:lstStyle/>
+          <a:p>
+            <a:pPr algn="just"/>
+            <a:r>
+              <a:rPr lang="en-US" dirty="0"/>
+              <a:t>BUSINESS TASK</a:t>
+            </a:r>
+          </a:p>
+          <a:p>
+            <a:pPr lvl="1" algn="just"/>
+            <a:r>
+              <a:rPr lang="en-US" dirty="0"/>
+              <a:t>Junior analyst looking for marketing insights</a:t>
+            </a:r>
+          </a:p>
+          <a:p>
+            <a:pPr marL="457200" lvl="1" indent="0" algn="just">
+              <a:buNone/>
+            </a:pPr>
+            <a:endParaRPr lang="en-US" dirty="0"/>
+          </a:p>
+        </p:txBody>
+      </p:sp>
+      <p:sp>
+        <p:nvSpPr>
+          <p:cNvPr id="4" name="Content Placeholder 3">
+            <a:extLst>
+              <a:ext uri="{FF2B5EF4-FFF2-40B4-BE49-F238E27FC236}">
+                <a16:creationId xmlns:a16="http://schemas.microsoft.com/office/drawing/2014/main" id="{71F7A2AC-2AC1-ED42-9914-F0F31BE875FD}"/>
+              </a:ext>
+            </a:extLst>
+          </p:cNvPr>
+          <p:cNvSpPr>
+            <a:spLocks noGrp="1"/>
+          </p:cNvSpPr>
+          <p:nvPr>
+            <p:ph sz="half" idx="2"/>
+          </p:nvPr>
+        </p:nvSpPr>
+        <p:spPr>
+          <a:xfrm>
+            <a:off x="3618070" y="2010877"/>
+            <a:ext cx="2305729" cy="3813451"/>
+          </a:xfrm>
+        </p:spPr>
+        <p:txBody>
+          <a:bodyPr>
+            <a:normAutofit fontScale="85000" lnSpcReduction="20000"/>
+          </a:bodyPr>
+          <a:lstStyle/>
+          <a:p>
+            <a:pPr algn="just"/>
+            <a:r>
+              <a:rPr lang="en-US" dirty="0"/>
+              <a:t>COMPANY</a:t>
+            </a:r>
+          </a:p>
+          <a:p>
+            <a:pPr lvl="1" algn="just"/>
+            <a:r>
+              <a:rPr lang="en-US" dirty="0" err="1"/>
+              <a:t>Bellabeat</a:t>
+            </a:r>
+            <a:endParaRPr lang="en-US" dirty="0"/>
+          </a:p>
+          <a:p>
+            <a:pPr lvl="1" algn="just"/>
+            <a:r>
+              <a:rPr lang="en-SG" dirty="0"/>
+              <a:t>High-tech company that manufactures health-focused smart products for women.</a:t>
+            </a:r>
+          </a:p>
+          <a:p>
+            <a:pPr lvl="1" algn="just"/>
+            <a:r>
+              <a:rPr lang="en-US" dirty="0"/>
+              <a:t>Tracks data on activity, sleep, stress, water consumption, reproductive health</a:t>
+            </a:r>
+          </a:p>
+          <a:p>
+            <a:pPr lvl="1" algn="just"/>
+            <a:endParaRPr lang="en-SG" dirty="0"/>
+          </a:p>
+          <a:p>
+            <a:pPr lvl="1" algn="just"/>
+            <a:endParaRPr lang="en-US" dirty="0"/>
+          </a:p>
+        </p:txBody>
+      </p:sp>
+      <p:sp>
+        <p:nvSpPr>
+          <p:cNvPr id="6" name="Content Placeholder 3">
+            <a:extLst>
+              <a:ext uri="{FF2B5EF4-FFF2-40B4-BE49-F238E27FC236}">
+                <a16:creationId xmlns:a16="http://schemas.microsoft.com/office/drawing/2014/main" id="{B336C0A6-E3F2-6B43-A90D-DDBD12B6F520}"/>
+              </a:ext>
+            </a:extLst>
+          </p:cNvPr>
+          <p:cNvSpPr txBox="1">
+            <a:spLocks/>
+          </p:cNvSpPr>
+          <p:nvPr/>
+        </p:nvSpPr>
+        <p:spPr>
+          <a:xfrm>
+            <a:off x="6096000" y="1977988"/>
+            <a:ext cx="2372139" cy="3846341"/>
+          </a:xfrm>
+          <a:prstGeom prst="rect">
+            <a:avLst/>
+          </a:prstGeom>
+        </p:spPr>
+        <p:txBody>
+          <a:bodyPr vert="horz" lIns="91440" tIns="45720" rIns="91440" bIns="45720" rtlCol="0">
+            <a:normAutofit/>
+          </a:bodyPr>
+          <a:lstStyle>
+            <a:lvl1pPr marL="228600" indent="-228600" algn="l" defTabSz="914400" rtl="0" eaLnBrk="1" latinLnBrk="0" hangingPunct="1">
+              <a:lnSpc>
+                <a:spcPct val="120000"/>
+              </a:lnSpc>
+              <a:spcBef>
+                <a:spcPts val="1000"/>
+              </a:spcBef>
+              <a:buClr>
+                <a:schemeClr val="accent1"/>
+              </a:buClr>
+              <a:buSzPct val="100000"/>
+              <a:buFont typeface="Arial" panose="020B0604020202020204" pitchFamily="34" charset="0"/>
+              <a:buChar char="•"/>
+              <a:defRPr sz="2000" kern="1200">
+                <a:solidFill>
+                  <a:schemeClr val="tx1"/>
+                </a:solidFill>
+                <a:effectLst/>
+                <a:latin typeface="+mn-lt"/>
+                <a:ea typeface="+mn-ea"/>
+                <a:cs typeface="+mn-cs"/>
+              </a:defRPr>
+            </a:lvl1pPr>
+            <a:lvl2pPr marL="685800" indent="-228600" algn="l" defTabSz="914400" rtl="0" eaLnBrk="1" latinLnBrk="0" hangingPunct="1">
+              <a:lnSpc>
+                <a:spcPct val="120000"/>
+              </a:lnSpc>
+              <a:spcBef>
+                <a:spcPts val="500"/>
+              </a:spcBef>
+              <a:buClr>
+                <a:schemeClr val="accent1"/>
+              </a:buClr>
+              <a:buSzPct val="100000"/>
+              <a:buFont typeface="Arial" panose="020B0604020202020204" pitchFamily="34" charset="0"/>
+              <a:buChar char="•"/>
+              <a:defRPr sz="1800" kern="1200" cap="none" baseline="0">
+                <a:solidFill>
+                  <a:schemeClr val="tx1"/>
+                </a:solidFill>
+                <a:effectLst/>
+                <a:latin typeface="+mn-lt"/>
+                <a:ea typeface="+mn-ea"/>
+                <a:cs typeface="+mn-cs"/>
+              </a:defRPr>
+            </a:lvl2pPr>
+            <a:lvl3pPr marL="1143000" indent="-228600" algn="l" defTabSz="914400" rtl="0" eaLnBrk="1" latinLnBrk="0" hangingPunct="1">
+              <a:lnSpc>
+                <a:spcPct val="120000"/>
+              </a:lnSpc>
+              <a:spcBef>
+                <a:spcPts val="500"/>
+              </a:spcBef>
+              <a:buClr>
+                <a:schemeClr val="accent1"/>
+              </a:buClr>
+              <a:buSzPct val="100000"/>
+              <a:buFont typeface="Arial" panose="020B0604020202020204" pitchFamily="34" charset="0"/>
+              <a:buChar char="•"/>
+              <a:defRPr sz="1600" kern="1200">
+                <a:solidFill>
+                  <a:schemeClr val="tx1"/>
+                </a:solidFill>
+                <a:effectLst/>
+                <a:latin typeface="+mn-lt"/>
+                <a:ea typeface="+mn-ea"/>
+                <a:cs typeface="+mn-cs"/>
+              </a:defRPr>
+            </a:lvl3pPr>
+            <a:lvl4pPr marL="1600200" indent="-228600" algn="l" defTabSz="914400" rtl="0" eaLnBrk="1" latinLnBrk="0" hangingPunct="1">
+              <a:lnSpc>
+                <a:spcPct val="120000"/>
+              </a:lnSpc>
+              <a:spcBef>
+                <a:spcPts val="500"/>
+              </a:spcBef>
+              <a:buClr>
+                <a:schemeClr val="accent1"/>
+              </a:buClr>
+              <a:buSzPct val="100000"/>
+              <a:buFont typeface="Arial" panose="020B0604020202020204" pitchFamily="34" charset="0"/>
+              <a:buChar char="•"/>
+              <a:defRPr sz="1400" kern="1200" cap="none" baseline="0">
+                <a:solidFill>
+                  <a:schemeClr val="tx1"/>
+                </a:solidFill>
+                <a:effectLst/>
+                <a:latin typeface="+mn-lt"/>
+                <a:ea typeface="+mn-ea"/>
+                <a:cs typeface="+mn-cs"/>
+              </a:defRPr>
+            </a:lvl4pPr>
+            <a:lvl5pPr marL="2057400" indent="-228600" algn="l" defTabSz="914400" rtl="0" eaLnBrk="1" latinLnBrk="0" hangingPunct="1">
+              <a:lnSpc>
+                <a:spcPct val="120000"/>
+              </a:lnSpc>
+              <a:spcBef>
+                <a:spcPts val="500"/>
+              </a:spcBef>
+              <a:buClr>
+                <a:schemeClr val="accent1"/>
+              </a:buClr>
+              <a:buSzPct val="100000"/>
+              <a:buFont typeface="Arial" panose="020B0604020202020204" pitchFamily="34" charset="0"/>
+              <a:buChar char="•"/>
+              <a:defRPr sz="1200" kern="1200">
+                <a:solidFill>
+                  <a:schemeClr val="tx1"/>
+                </a:solidFill>
+                <a:effectLst/>
+                <a:latin typeface="+mn-lt"/>
+                <a:ea typeface="+mn-ea"/>
+                <a:cs typeface="+mn-cs"/>
+              </a:defRPr>
+            </a:lvl5pPr>
+            <a:lvl6pPr marL="2514600" indent="-228600" algn="l" defTabSz="914400" rtl="0" eaLnBrk="1" latinLnBrk="0" hangingPunct="1">
+              <a:lnSpc>
+                <a:spcPct val="120000"/>
+              </a:lnSpc>
+              <a:spcBef>
+                <a:spcPts val="500"/>
+              </a:spcBef>
+              <a:buClr>
+                <a:schemeClr val="accent1"/>
+              </a:buClr>
+              <a:buSzPct val="100000"/>
+              <a:buFont typeface="Arial" panose="020B0604020202020204" pitchFamily="34" charset="0"/>
+              <a:buChar char="•"/>
+              <a:defRPr sz="1200" kern="1200">
+                <a:solidFill>
+                  <a:schemeClr val="tx1"/>
+                </a:solidFill>
+                <a:effectLst/>
+                <a:latin typeface="+mn-lt"/>
+                <a:ea typeface="+mn-ea"/>
+                <a:cs typeface="+mn-cs"/>
+              </a:defRPr>
+            </a:lvl6pPr>
+            <a:lvl7pPr marL="2971800" indent="-228600" algn="l" defTabSz="914400" rtl="0" eaLnBrk="1" latinLnBrk="0" hangingPunct="1">
+              <a:lnSpc>
+                <a:spcPct val="120000"/>
+              </a:lnSpc>
+              <a:spcBef>
+                <a:spcPts val="500"/>
+              </a:spcBef>
+              <a:buClr>
+                <a:schemeClr val="accent1"/>
+              </a:buClr>
+              <a:buSzPct val="100000"/>
+              <a:buFont typeface="Arial" panose="020B0604020202020204" pitchFamily="34" charset="0"/>
+              <a:buChar char="•"/>
+              <a:defRPr sz="1200" kern="1200">
+                <a:solidFill>
+                  <a:schemeClr val="tx1"/>
+                </a:solidFill>
+                <a:effectLst/>
+                <a:latin typeface="+mn-lt"/>
+                <a:ea typeface="+mn-ea"/>
+                <a:cs typeface="+mn-cs"/>
+              </a:defRPr>
+            </a:lvl7pPr>
+            <a:lvl8pPr marL="3429000" indent="-228600" algn="l" defTabSz="914400" rtl="0" eaLnBrk="1" latinLnBrk="0" hangingPunct="1">
+              <a:lnSpc>
+                <a:spcPct val="120000"/>
+              </a:lnSpc>
+              <a:spcBef>
+                <a:spcPts val="500"/>
+              </a:spcBef>
+              <a:buClr>
+                <a:schemeClr val="accent1"/>
+              </a:buClr>
+              <a:buSzPct val="100000"/>
+              <a:buFont typeface="Arial" panose="020B0604020202020204" pitchFamily="34" charset="0"/>
+              <a:buChar char="•"/>
+              <a:defRPr sz="1200" kern="1200" baseline="0">
+                <a:solidFill>
+                  <a:schemeClr val="tx1"/>
+                </a:solidFill>
+                <a:effectLst/>
+                <a:latin typeface="+mn-lt"/>
+                <a:ea typeface="+mn-ea"/>
+                <a:cs typeface="+mn-cs"/>
+              </a:defRPr>
+            </a:lvl8pPr>
+            <a:lvl9pPr marL="3886200" indent="-228600" algn="l" defTabSz="914400" rtl="0" eaLnBrk="1" latinLnBrk="0" hangingPunct="1">
+              <a:lnSpc>
+                <a:spcPct val="120000"/>
+              </a:lnSpc>
+              <a:spcBef>
+                <a:spcPts val="500"/>
+              </a:spcBef>
+              <a:buClr>
+                <a:schemeClr val="accent1"/>
+              </a:buClr>
+              <a:buSzPct val="100000"/>
+              <a:buFont typeface="Arial" panose="020B0604020202020204" pitchFamily="34" charset="0"/>
+              <a:buChar char="•"/>
+              <a:defRPr sz="1200" kern="1200" baseline="0">
+                <a:solidFill>
+                  <a:schemeClr val="tx1"/>
+                </a:solidFill>
+                <a:effectLst/>
+                <a:latin typeface="+mn-lt"/>
+                <a:ea typeface="+mn-ea"/>
+                <a:cs typeface="+mn-cs"/>
+              </a:defRPr>
+            </a:lvl9pPr>
+          </a:lstStyle>
+          <a:p>
+            <a:pPr algn="just"/>
+            <a:r>
+              <a:rPr lang="en-US" dirty="0"/>
+              <a:t>PRODUCTS (smart devices)</a:t>
+            </a:r>
+          </a:p>
+          <a:p>
+            <a:pPr lvl="1" algn="just"/>
+            <a:r>
+              <a:rPr lang="en-US" dirty="0"/>
+              <a:t>Leaf (accessory)</a:t>
+            </a:r>
+          </a:p>
+          <a:p>
+            <a:pPr lvl="1" algn="just"/>
+            <a:r>
+              <a:rPr lang="en-US" dirty="0"/>
+              <a:t>Time (watch)</a:t>
+            </a:r>
+          </a:p>
+          <a:p>
+            <a:pPr lvl="1" algn="just"/>
+            <a:r>
+              <a:rPr lang="en-US" dirty="0"/>
+              <a:t>Spring (</a:t>
+            </a:r>
+            <a:r>
+              <a:rPr lang="en-US" dirty="0" err="1"/>
+              <a:t>Waterbottle</a:t>
+            </a:r>
+            <a:r>
+              <a:rPr lang="en-US" dirty="0"/>
+              <a:t>)</a:t>
+            </a:r>
+          </a:p>
+          <a:p>
+            <a:pPr lvl="1" algn="just"/>
+            <a:r>
+              <a:rPr lang="en-US" dirty="0" err="1"/>
+              <a:t>Bellabeat</a:t>
+            </a:r>
+            <a:r>
+              <a:rPr lang="en-US" dirty="0"/>
+              <a:t> app</a:t>
+            </a:r>
+          </a:p>
+          <a:p>
+            <a:pPr algn="just"/>
+            <a:endParaRPr lang="en-US" dirty="0"/>
+          </a:p>
+        </p:txBody>
+      </p:sp>
+      <p:sp>
+        <p:nvSpPr>
+          <p:cNvPr id="7" name="Content Placeholder 3">
+            <a:extLst>
+              <a:ext uri="{FF2B5EF4-FFF2-40B4-BE49-F238E27FC236}">
+                <a16:creationId xmlns:a16="http://schemas.microsoft.com/office/drawing/2014/main" id="{498D3CCD-E9CC-A743-855F-2768039BF759}"/>
+              </a:ext>
+            </a:extLst>
+          </p:cNvPr>
+          <p:cNvSpPr txBox="1">
+            <a:spLocks/>
+          </p:cNvSpPr>
+          <p:nvPr/>
+        </p:nvSpPr>
+        <p:spPr>
+          <a:xfrm>
+            <a:off x="8640339" y="1977988"/>
+            <a:ext cx="2372139" cy="3846339"/>
+          </a:xfrm>
+          <a:prstGeom prst="rect">
+            <a:avLst/>
+          </a:prstGeom>
+        </p:spPr>
+        <p:txBody>
+          <a:bodyPr vert="horz" lIns="91440" tIns="45720" rIns="91440" bIns="45720" rtlCol="0">
+            <a:normAutofit/>
+          </a:bodyPr>
+          <a:lstStyle>
+            <a:lvl1pPr marL="228600" indent="-228600" algn="l" defTabSz="914400" rtl="0" eaLnBrk="1" latinLnBrk="0" hangingPunct="1">
+              <a:lnSpc>
+                <a:spcPct val="120000"/>
+              </a:lnSpc>
+              <a:spcBef>
+                <a:spcPts val="1000"/>
+              </a:spcBef>
+              <a:buClr>
+                <a:schemeClr val="accent1"/>
+              </a:buClr>
+              <a:buSzPct val="100000"/>
+              <a:buFont typeface="Arial" panose="020B0604020202020204" pitchFamily="34" charset="0"/>
+              <a:buChar char="•"/>
+              <a:defRPr sz="2000" kern="1200">
+                <a:solidFill>
+                  <a:schemeClr val="tx1"/>
+                </a:solidFill>
+                <a:effectLst/>
+                <a:latin typeface="+mn-lt"/>
+                <a:ea typeface="+mn-ea"/>
+                <a:cs typeface="+mn-cs"/>
+              </a:defRPr>
+            </a:lvl1pPr>
+            <a:lvl2pPr marL="685800" indent="-228600" algn="l" defTabSz="914400" rtl="0" eaLnBrk="1" latinLnBrk="0" hangingPunct="1">
+              <a:lnSpc>
+                <a:spcPct val="120000"/>
+              </a:lnSpc>
+              <a:spcBef>
+                <a:spcPts val="500"/>
+              </a:spcBef>
+              <a:buClr>
+                <a:schemeClr val="accent1"/>
+              </a:buClr>
+              <a:buSzPct val="100000"/>
+              <a:buFont typeface="Arial" panose="020B0604020202020204" pitchFamily="34" charset="0"/>
+              <a:buChar char="•"/>
+              <a:defRPr sz="1800" kern="1200" cap="none" baseline="0">
+                <a:solidFill>
+                  <a:schemeClr val="tx1"/>
+                </a:solidFill>
+                <a:effectLst/>
+                <a:latin typeface="+mn-lt"/>
+                <a:ea typeface="+mn-ea"/>
+                <a:cs typeface="+mn-cs"/>
+              </a:defRPr>
+            </a:lvl2pPr>
+            <a:lvl3pPr marL="1143000" indent="-228600" algn="l" defTabSz="914400" rtl="0" eaLnBrk="1" latinLnBrk="0" hangingPunct="1">
+              <a:lnSpc>
+                <a:spcPct val="120000"/>
+              </a:lnSpc>
+              <a:spcBef>
+                <a:spcPts val="500"/>
+              </a:spcBef>
+              <a:buClr>
+                <a:schemeClr val="accent1"/>
+              </a:buClr>
+              <a:buSzPct val="100000"/>
+              <a:buFont typeface="Arial" panose="020B0604020202020204" pitchFamily="34" charset="0"/>
+              <a:buChar char="•"/>
+              <a:defRPr sz="1600" kern="1200">
+                <a:solidFill>
+                  <a:schemeClr val="tx1"/>
+                </a:solidFill>
+                <a:effectLst/>
+                <a:latin typeface="+mn-lt"/>
+                <a:ea typeface="+mn-ea"/>
+                <a:cs typeface="+mn-cs"/>
+              </a:defRPr>
+            </a:lvl3pPr>
+            <a:lvl4pPr marL="1600200" indent="-228600" algn="l" defTabSz="914400" rtl="0" eaLnBrk="1" latinLnBrk="0" hangingPunct="1">
+              <a:lnSpc>
+                <a:spcPct val="120000"/>
+              </a:lnSpc>
+              <a:spcBef>
+                <a:spcPts val="500"/>
+              </a:spcBef>
+              <a:buClr>
+                <a:schemeClr val="accent1"/>
+              </a:buClr>
+              <a:buSzPct val="100000"/>
+              <a:buFont typeface="Arial" panose="020B0604020202020204" pitchFamily="34" charset="0"/>
+              <a:buChar char="•"/>
+              <a:defRPr sz="1400" kern="1200" cap="none" baseline="0">
+                <a:solidFill>
+                  <a:schemeClr val="tx1"/>
+                </a:solidFill>
+                <a:effectLst/>
+                <a:latin typeface="+mn-lt"/>
+                <a:ea typeface="+mn-ea"/>
+                <a:cs typeface="+mn-cs"/>
+              </a:defRPr>
+            </a:lvl4pPr>
+            <a:lvl5pPr marL="2057400" indent="-228600" algn="l" defTabSz="914400" rtl="0" eaLnBrk="1" latinLnBrk="0" hangingPunct="1">
+              <a:lnSpc>
+                <a:spcPct val="120000"/>
+              </a:lnSpc>
+              <a:spcBef>
+                <a:spcPts val="500"/>
+              </a:spcBef>
+              <a:buClr>
+                <a:schemeClr val="accent1"/>
+              </a:buClr>
+              <a:buSzPct val="100000"/>
+              <a:buFont typeface="Arial" panose="020B0604020202020204" pitchFamily="34" charset="0"/>
+              <a:buChar char="•"/>
+              <a:defRPr sz="1200" kern="1200">
+                <a:solidFill>
+                  <a:schemeClr val="tx1"/>
+                </a:solidFill>
+                <a:effectLst/>
+                <a:latin typeface="+mn-lt"/>
+                <a:ea typeface="+mn-ea"/>
+                <a:cs typeface="+mn-cs"/>
+              </a:defRPr>
+            </a:lvl5pPr>
+            <a:lvl6pPr marL="2514600" indent="-228600" algn="l" defTabSz="914400" rtl="0" eaLnBrk="1" latinLnBrk="0" hangingPunct="1">
+              <a:lnSpc>
+                <a:spcPct val="120000"/>
+              </a:lnSpc>
+              <a:spcBef>
+                <a:spcPts val="500"/>
+              </a:spcBef>
+              <a:buClr>
+                <a:schemeClr val="accent1"/>
+              </a:buClr>
+              <a:buSzPct val="100000"/>
+              <a:buFont typeface="Arial" panose="020B0604020202020204" pitchFamily="34" charset="0"/>
+              <a:buChar char="•"/>
+              <a:defRPr sz="1200" kern="1200">
+                <a:solidFill>
+                  <a:schemeClr val="tx1"/>
+                </a:solidFill>
+                <a:effectLst/>
+                <a:latin typeface="+mn-lt"/>
+                <a:ea typeface="+mn-ea"/>
+                <a:cs typeface="+mn-cs"/>
+              </a:defRPr>
+            </a:lvl6pPr>
+            <a:lvl7pPr marL="2971800" indent="-228600" algn="l" defTabSz="914400" rtl="0" eaLnBrk="1" latinLnBrk="0" hangingPunct="1">
+              <a:lnSpc>
+                <a:spcPct val="120000"/>
+              </a:lnSpc>
+              <a:spcBef>
+                <a:spcPts val="500"/>
+              </a:spcBef>
+              <a:buClr>
+                <a:schemeClr val="accent1"/>
+              </a:buClr>
+              <a:buSzPct val="100000"/>
+              <a:buFont typeface="Arial" panose="020B0604020202020204" pitchFamily="34" charset="0"/>
+              <a:buChar char="•"/>
+              <a:defRPr sz="1200" kern="1200">
+                <a:solidFill>
+                  <a:schemeClr val="tx1"/>
+                </a:solidFill>
+                <a:effectLst/>
+                <a:latin typeface="+mn-lt"/>
+                <a:ea typeface="+mn-ea"/>
+                <a:cs typeface="+mn-cs"/>
+              </a:defRPr>
+            </a:lvl7pPr>
+            <a:lvl8pPr marL="3429000" indent="-228600" algn="l" defTabSz="914400" rtl="0" eaLnBrk="1" latinLnBrk="0" hangingPunct="1">
+              <a:lnSpc>
+                <a:spcPct val="120000"/>
+              </a:lnSpc>
+              <a:spcBef>
+                <a:spcPts val="500"/>
+              </a:spcBef>
+              <a:buClr>
+                <a:schemeClr val="accent1"/>
+              </a:buClr>
+              <a:buSzPct val="100000"/>
+              <a:buFont typeface="Arial" panose="020B0604020202020204" pitchFamily="34" charset="0"/>
+              <a:buChar char="•"/>
+              <a:defRPr sz="1200" kern="1200" baseline="0">
+                <a:solidFill>
+                  <a:schemeClr val="tx1"/>
+                </a:solidFill>
+                <a:effectLst/>
+                <a:latin typeface="+mn-lt"/>
+                <a:ea typeface="+mn-ea"/>
+                <a:cs typeface="+mn-cs"/>
+              </a:defRPr>
+            </a:lvl8pPr>
+            <a:lvl9pPr marL="3886200" indent="-228600" algn="l" defTabSz="914400" rtl="0" eaLnBrk="1" latinLnBrk="0" hangingPunct="1">
+              <a:lnSpc>
+                <a:spcPct val="120000"/>
+              </a:lnSpc>
+              <a:spcBef>
+                <a:spcPts val="500"/>
+              </a:spcBef>
+              <a:buClr>
+                <a:schemeClr val="accent1"/>
+              </a:buClr>
+              <a:buSzPct val="100000"/>
+              <a:buFont typeface="Arial" panose="020B0604020202020204" pitchFamily="34" charset="0"/>
+              <a:buChar char="•"/>
+              <a:defRPr sz="1200" kern="1200" baseline="0">
+                <a:solidFill>
+                  <a:schemeClr val="tx1"/>
+                </a:solidFill>
+                <a:effectLst/>
+                <a:latin typeface="+mn-lt"/>
+                <a:ea typeface="+mn-ea"/>
+                <a:cs typeface="+mn-cs"/>
+              </a:defRPr>
+            </a:lvl9pPr>
+          </a:lstStyle>
+          <a:p>
+            <a:pPr algn="just"/>
+            <a:r>
+              <a:rPr lang="en-US" dirty="0"/>
+              <a:t>DATASET</a:t>
+            </a:r>
+          </a:p>
+          <a:p>
+            <a:pPr lvl="1" algn="just"/>
+            <a:r>
+              <a:rPr lang="en-US" dirty="0" err="1"/>
+              <a:t>FitBit</a:t>
+            </a:r>
+            <a:r>
+              <a:rPr lang="en-US" dirty="0"/>
+              <a:t> dataset</a:t>
+            </a:r>
+          </a:p>
+          <a:p>
+            <a:pPr lvl="1" algn="just"/>
+            <a:r>
+              <a:rPr lang="en-US" dirty="0"/>
+              <a:t>More details in later slide</a:t>
+            </a:r>
+          </a:p>
+        </p:txBody>
+      </p:sp>
+    </p:spTree>
+    <p:extLst>
+      <p:ext uri="{BB962C8B-B14F-4D97-AF65-F5344CB8AC3E}">
+        <p14:creationId xmlns:p14="http://schemas.microsoft.com/office/powerpoint/2010/main" val="1044813475"/>
+      </p:ext>
+    </p:extLst>
+  </p:cSld>
+  <p:clrMapOvr>
+    <a:masterClrMapping/>
+  </p:clrMapOvr>
+</p:sld>
+</file>
+
+<file path=ppt/slides/slide4.xml><?xml version="1.0" encoding="utf-8"?>
+<p:sld xmlns:a="http://schemas.openxmlformats.org/drawingml/2006/main" xmlns:r="http://schemas.openxmlformats.org/officeDocument/2006/relationships" xmlns:p="http://schemas.openxmlformats.org/presentationml/2006/main">
+  <p:cSld>
+    <p:spTree>
+      <p:nvGrpSpPr>
+        <p:cNvPr id="1" name=""/>
+        <p:cNvGrpSpPr/>
+        <p:nvPr/>
+      </p:nvGrpSpPr>
+      <p:grpSpPr>
+        <a:xfrm>
+          <a:off x="0" y="0"/>
+          <a:ext cx="0" cy="0"/>
+          <a:chOff x="0" y="0"/>
+          <a:chExt cx="0" cy="0"/>
+        </a:xfrm>
+      </p:grpSpPr>
+      <p:sp>
+        <p:nvSpPr>
+          <p:cNvPr id="2" name="Title 1">
+            <a:extLst>
+              <a:ext uri="{FF2B5EF4-FFF2-40B4-BE49-F238E27FC236}">
+                <a16:creationId xmlns:a16="http://schemas.microsoft.com/office/drawing/2014/main" id="{7FE79BAB-5EDB-604C-945F-9007BF29F386}"/>
+              </a:ext>
+            </a:extLst>
+          </p:cNvPr>
+          <p:cNvSpPr>
+            <a:spLocks noGrp="1"/>
+          </p:cNvSpPr>
+          <p:nvPr>
+            <p:ph type="title"/>
+          </p:nvPr>
+        </p:nvSpPr>
+        <p:spPr/>
+        <p:txBody>
+          <a:bodyPr/>
+          <a:lstStyle/>
+          <a:p>
+            <a:r>
+              <a:rPr lang="en-US" dirty="0"/>
+              <a:t>PURPOSE AND LIMITATION OF scope FOR data analysis project</a:t>
+            </a:r>
+          </a:p>
+        </p:txBody>
+      </p:sp>
+      <p:sp>
+        <p:nvSpPr>
+          <p:cNvPr id="3" name="Content Placeholder 2">
+            <a:extLst>
+              <a:ext uri="{FF2B5EF4-FFF2-40B4-BE49-F238E27FC236}">
+                <a16:creationId xmlns:a16="http://schemas.microsoft.com/office/drawing/2014/main" id="{8FF51DB0-5CAB-6B43-9A8E-26E439A83F2D}"/>
+              </a:ext>
+            </a:extLst>
+          </p:cNvPr>
+          <p:cNvSpPr>
+            <a:spLocks noGrp="1"/>
+          </p:cNvSpPr>
+          <p:nvPr>
+            <p:ph sz="half" idx="1"/>
+          </p:nvPr>
+        </p:nvSpPr>
+        <p:spPr>
+          <a:xfrm>
+            <a:off x="1447330" y="2010878"/>
+            <a:ext cx="9605635" cy="3448595"/>
+          </a:xfrm>
+        </p:spPr>
+        <p:txBody>
+          <a:bodyPr/>
+          <a:lstStyle/>
+          <a:p>
+            <a:pPr algn="just"/>
+            <a:r>
+              <a:rPr lang="en-US" dirty="0"/>
+              <a:t>Scope of project</a:t>
+            </a:r>
+          </a:p>
+          <a:p>
+            <a:pPr lvl="1" algn="just"/>
+            <a:r>
+              <a:rPr lang="en-US" dirty="0"/>
+              <a:t>Only aimed to suggest potential directions of marketing team to build a strategy</a:t>
+            </a:r>
+          </a:p>
+          <a:p>
+            <a:pPr lvl="2" algn="just"/>
+            <a:r>
+              <a:rPr lang="en-US" dirty="0" err="1"/>
+              <a:t>Customise</a:t>
+            </a:r>
+            <a:r>
+              <a:rPr lang="en-US" dirty="0"/>
+              <a:t> their marketing message</a:t>
+            </a:r>
+          </a:p>
+          <a:p>
+            <a:pPr lvl="2" algn="just"/>
+            <a:r>
+              <a:rPr lang="en-US" dirty="0" err="1"/>
+              <a:t>Customise</a:t>
+            </a:r>
+            <a:r>
+              <a:rPr lang="en-US" dirty="0"/>
+              <a:t> any product feature developments</a:t>
+            </a:r>
+          </a:p>
+          <a:p>
+            <a:pPr lvl="2" algn="just"/>
+            <a:r>
+              <a:rPr lang="en-US" dirty="0"/>
+              <a:t>Based on limited dataset and limited time for data exploration.</a:t>
+            </a:r>
+          </a:p>
+          <a:p>
+            <a:endParaRPr lang="en-US" dirty="0"/>
+          </a:p>
+        </p:txBody>
+      </p:sp>
+    </p:spTree>
+    <p:extLst>
+      <p:ext uri="{BB962C8B-B14F-4D97-AF65-F5344CB8AC3E}">
+        <p14:creationId xmlns:p14="http://schemas.microsoft.com/office/powerpoint/2010/main" val="793020510"/>
+      </p:ext>
+    </p:extLst>
+  </p:cSld>
+  <p:clrMapOvr>
+    <a:masterClrMapping/>
+  </p:clrMapOvr>
+</p:sld>
+</file>
+
+<file path=ppt/slides/slide5.xml><?xml version="1.0" encoding="utf-8"?>
+<p:sld xmlns:a="http://schemas.openxmlformats.org/drawingml/2006/main" xmlns:r="http://schemas.openxmlformats.org/officeDocument/2006/relationships" xmlns:p="http://schemas.openxmlformats.org/presentationml/2006/main">
+  <p:cSld>
+    <p:spTree>
+      <p:nvGrpSpPr>
+        <p:cNvPr id="1" name=""/>
+        <p:cNvGrpSpPr/>
+        <p:nvPr/>
+      </p:nvGrpSpPr>
+      <p:grpSpPr>
+        <a:xfrm>
+          <a:off x="0" y="0"/>
+          <a:ext cx="0" cy="0"/>
+          <a:chOff x="0" y="0"/>
+          <a:chExt cx="0" cy="0"/>
+        </a:xfrm>
+      </p:grpSpPr>
+      <p:sp>
+        <p:nvSpPr>
+          <p:cNvPr id="2" name="Title 1">
+            <a:extLst>
+              <a:ext uri="{FF2B5EF4-FFF2-40B4-BE49-F238E27FC236}">
+                <a16:creationId xmlns:a16="http://schemas.microsoft.com/office/drawing/2014/main" id="{7FE79BAB-5EDB-604C-945F-9007BF29F386}"/>
+              </a:ext>
+            </a:extLst>
+          </p:cNvPr>
+          <p:cNvSpPr>
+            <a:spLocks noGrp="1"/>
+          </p:cNvSpPr>
+          <p:nvPr>
+            <p:ph type="title"/>
+          </p:nvPr>
+        </p:nvSpPr>
+        <p:spPr/>
+        <p:txBody>
+          <a:bodyPr/>
+          <a:lstStyle/>
+          <a:p>
+            <a:r>
+              <a:rPr lang="en-US" dirty="0"/>
+              <a:t>About the dataset</a:t>
+            </a:r>
+          </a:p>
+        </p:txBody>
+      </p:sp>
+      <p:sp>
+        <p:nvSpPr>
+          <p:cNvPr id="4" name="Content Placeholder 3">
+            <a:extLst>
+              <a:ext uri="{FF2B5EF4-FFF2-40B4-BE49-F238E27FC236}">
+                <a16:creationId xmlns:a16="http://schemas.microsoft.com/office/drawing/2014/main" id="{71F7A2AC-2AC1-ED42-9914-F0F31BE875FD}"/>
+              </a:ext>
+            </a:extLst>
+          </p:cNvPr>
+          <p:cNvSpPr>
+            <a:spLocks noGrp="1"/>
+          </p:cNvSpPr>
+          <p:nvPr>
+            <p:ph sz="half" idx="2"/>
+          </p:nvPr>
+        </p:nvSpPr>
+        <p:spPr>
+          <a:xfrm>
+            <a:off x="1449217" y="2017343"/>
+            <a:ext cx="9609706" cy="3441520"/>
+          </a:xfrm>
+        </p:spPr>
+        <p:txBody>
+          <a:bodyPr>
+            <a:normAutofit lnSpcReduction="10000"/>
+          </a:bodyPr>
+          <a:lstStyle/>
+          <a:p>
+            <a:pPr algn="just"/>
+            <a:r>
+              <a:rPr lang="en-US" dirty="0"/>
+              <a:t>These </a:t>
+            </a:r>
+            <a:r>
+              <a:rPr lang="en-US" dirty="0" err="1"/>
+              <a:t>FitBit</a:t>
+            </a:r>
+            <a:r>
+              <a:rPr lang="en-US" dirty="0"/>
+              <a:t> datasets were generated by respondents to a distributed survey via Amazon Mechanical Turk between 03.12.2016-05.12.2016.  </a:t>
+            </a:r>
+          </a:p>
+          <a:p>
+            <a:pPr algn="just"/>
+            <a:r>
+              <a:rPr lang="en-US" dirty="0"/>
+              <a:t>Thirty eligible Fitbit users consented to the submission of personal tracker data, including minute-level output for physical activity, heart rate, and sleep monitoring. </a:t>
+            </a:r>
+          </a:p>
+          <a:p>
+            <a:pPr algn="just"/>
+            <a:r>
+              <a:rPr lang="en-US" dirty="0"/>
+              <a:t>Variation between output represents use of different types of Fitbit trackers and individual tracking behaviors / preferences.  </a:t>
+            </a:r>
+          </a:p>
+          <a:p>
+            <a:pPr algn="just"/>
+            <a:r>
+              <a:rPr lang="en-US" dirty="0">
+                <a:hlinkClick r:id="rId2"/>
+              </a:rPr>
+              <a:t>Source: Crowd-sourced Fitbit datasets 03.12.2016-05.12.2016</a:t>
+            </a:r>
+            <a:endParaRPr lang="en-US" dirty="0"/>
+          </a:p>
+          <a:p>
+            <a:pPr algn="just"/>
+            <a:r>
+              <a:rPr lang="en-US" dirty="0">
+                <a:hlinkClick r:id="rId3"/>
+              </a:rPr>
+              <a:t>Dataset source: FitBit Fitness Tracker Data</a:t>
+            </a:r>
+            <a:endParaRPr lang="en-US" dirty="0"/>
+          </a:p>
+        </p:txBody>
+      </p:sp>
+    </p:spTree>
+    <p:extLst>
+      <p:ext uri="{BB962C8B-B14F-4D97-AF65-F5344CB8AC3E}">
+        <p14:creationId xmlns:p14="http://schemas.microsoft.com/office/powerpoint/2010/main" val="147135659"/>
+      </p:ext>
+    </p:extLst>
+  </p:cSld>
+  <p:clrMapOvr>
+    <a:masterClrMapping/>
+  </p:clrMapOvr>
+</p:sld>
+</file>
+
+<file path=ppt/slides/slide6.xml><?xml version="1.0" encoding="utf-8"?>
+<p:sld xmlns:a="http://schemas.openxmlformats.org/drawingml/2006/main" xmlns:r="http://schemas.openxmlformats.org/officeDocument/2006/relationships" xmlns:p="http://schemas.openxmlformats.org/presentationml/2006/main">
+  <p:cSld>
+    <p:spTree>
+      <p:nvGrpSpPr>
+        <p:cNvPr id="1" name=""/>
+        <p:cNvGrpSpPr/>
+        <p:nvPr/>
+      </p:nvGrpSpPr>
+      <p:grpSpPr>
+        <a:xfrm>
+          <a:off x="0" y="0"/>
+          <a:ext cx="0" cy="0"/>
+          <a:chOff x="0" y="0"/>
+          <a:chExt cx="0" cy="0"/>
+        </a:xfrm>
+      </p:grpSpPr>
+      <p:sp>
+        <p:nvSpPr>
+          <p:cNvPr id="2" name="Title 1">
+            <a:extLst>
+              <a:ext uri="{FF2B5EF4-FFF2-40B4-BE49-F238E27FC236}">
+                <a16:creationId xmlns:a16="http://schemas.microsoft.com/office/drawing/2014/main" id="{7FE79BAB-5EDB-604C-945F-9007BF29F386}"/>
+              </a:ext>
+            </a:extLst>
+          </p:cNvPr>
+          <p:cNvSpPr>
+            <a:spLocks noGrp="1"/>
+          </p:cNvSpPr>
+          <p:nvPr>
+            <p:ph type="title"/>
+          </p:nvPr>
+        </p:nvSpPr>
+        <p:spPr/>
+        <p:txBody>
+          <a:bodyPr/>
+          <a:lstStyle/>
+          <a:p>
+            <a:r>
+              <a:rPr lang="en-US" dirty="0"/>
+              <a:t>Limitations of data analysis project</a:t>
+            </a:r>
+          </a:p>
+        </p:txBody>
+      </p:sp>
+      <p:sp>
+        <p:nvSpPr>
+          <p:cNvPr id="4" name="Content Placeholder 3">
+            <a:extLst>
+              <a:ext uri="{FF2B5EF4-FFF2-40B4-BE49-F238E27FC236}">
+                <a16:creationId xmlns:a16="http://schemas.microsoft.com/office/drawing/2014/main" id="{71F7A2AC-2AC1-ED42-9914-F0F31BE875FD}"/>
+              </a:ext>
+            </a:extLst>
+          </p:cNvPr>
+          <p:cNvSpPr>
+            <a:spLocks noGrp="1"/>
+          </p:cNvSpPr>
+          <p:nvPr>
+            <p:ph sz="half" idx="2"/>
+          </p:nvPr>
+        </p:nvSpPr>
+        <p:spPr>
+          <a:xfrm>
+            <a:off x="1449217" y="2017343"/>
+            <a:ext cx="9609706" cy="3608542"/>
+          </a:xfrm>
+        </p:spPr>
+        <p:txBody>
+          <a:bodyPr>
+            <a:normAutofit/>
+          </a:bodyPr>
+          <a:lstStyle/>
+          <a:p>
+            <a:pPr algn="just"/>
+            <a:r>
+              <a:rPr lang="en-US" dirty="0"/>
+              <a:t>Comprehensiveness of dataset</a:t>
+            </a:r>
+          </a:p>
+          <a:p>
+            <a:pPr lvl="1" algn="just"/>
+            <a:r>
+              <a:rPr lang="en-US" dirty="0"/>
+              <a:t>No gender differentiation in explored </a:t>
+            </a:r>
+            <a:r>
+              <a:rPr lang="en-US" dirty="0" err="1"/>
+              <a:t>FitBit</a:t>
+            </a:r>
+            <a:r>
+              <a:rPr lang="en-US" dirty="0"/>
+              <a:t> dataset.</a:t>
+            </a:r>
+          </a:p>
+          <a:p>
+            <a:pPr lvl="2" algn="just"/>
+            <a:r>
+              <a:rPr lang="en-US" dirty="0"/>
+              <a:t>Application of this data analysis project is for the purposes to market products of </a:t>
+            </a:r>
+            <a:r>
+              <a:rPr lang="en-US" dirty="0" err="1"/>
+              <a:t>Bellabeat</a:t>
+            </a:r>
+            <a:r>
+              <a:rPr lang="en-US" dirty="0"/>
+              <a:t>, which is focused on women. </a:t>
+            </a:r>
+          </a:p>
+          <a:p>
+            <a:pPr lvl="2" algn="just"/>
+            <a:r>
+              <a:rPr lang="en-US" dirty="0"/>
+              <a:t>Hence, the dataset may not be sufficiently comprehensive for a more effective study.</a:t>
+            </a:r>
+          </a:p>
+          <a:p>
+            <a:pPr lvl="1" algn="just"/>
+            <a:r>
+              <a:rPr lang="en-US" dirty="0"/>
+              <a:t>The study contains observations of only a few days, and of limited number of samples.</a:t>
+            </a:r>
+          </a:p>
+          <a:p>
+            <a:pPr lvl="2" algn="just"/>
+            <a:r>
+              <a:rPr lang="en-US" dirty="0"/>
+              <a:t>Statistical confidence and insights may be limited or skewed due to sample size limits.</a:t>
+            </a:r>
+          </a:p>
+        </p:txBody>
+      </p:sp>
+    </p:spTree>
+    <p:extLst>
+      <p:ext uri="{BB962C8B-B14F-4D97-AF65-F5344CB8AC3E}">
+        <p14:creationId xmlns:p14="http://schemas.microsoft.com/office/powerpoint/2010/main" val="132156916"/>
+      </p:ext>
+    </p:extLst>
+  </p:cSld>
+  <p:clrMapOvr>
+    <a:masterClrMapping/>
+  </p:clrMapOvr>
+</p:sld>
+</file>
+
+<file path=ppt/slides/slide7.xml><?xml version="1.0" encoding="utf-8"?>
+<p:sld xmlns:a="http://schemas.openxmlformats.org/drawingml/2006/main" xmlns:r="http://schemas.openxmlformats.org/officeDocument/2006/relationships" xmlns:p="http://schemas.openxmlformats.org/presentationml/2006/main">
+  <p:cSld>
+    <p:spTree>
+      <p:nvGrpSpPr>
+        <p:cNvPr id="1" name=""/>
+        <p:cNvGrpSpPr/>
+        <p:nvPr/>
+      </p:nvGrpSpPr>
+      <p:grpSpPr>
+        <a:xfrm>
+          <a:off x="0" y="0"/>
+          <a:ext cx="0" cy="0"/>
+          <a:chOff x="0" y="0"/>
+          <a:chExt cx="0" cy="0"/>
+        </a:xfrm>
+      </p:grpSpPr>
+      <p:sp>
+        <p:nvSpPr>
+          <p:cNvPr id="2" name="Title 1">
+            <a:extLst>
+              <a:ext uri="{FF2B5EF4-FFF2-40B4-BE49-F238E27FC236}">
+                <a16:creationId xmlns:a16="http://schemas.microsoft.com/office/drawing/2014/main" id="{7FE79BAB-5EDB-604C-945F-9007BF29F386}"/>
+              </a:ext>
+            </a:extLst>
+          </p:cNvPr>
+          <p:cNvSpPr>
+            <a:spLocks noGrp="1"/>
+          </p:cNvSpPr>
+          <p:nvPr>
+            <p:ph type="title"/>
+          </p:nvPr>
+        </p:nvSpPr>
+        <p:spPr/>
+        <p:txBody>
+          <a:bodyPr/>
+          <a:lstStyle/>
+          <a:p>
+            <a:r>
+              <a:rPr lang="en-US" dirty="0"/>
+              <a:t>Statistical summary </a:t>
+            </a:r>
+          </a:p>
+        </p:txBody>
+      </p:sp>
+      <p:sp>
+        <p:nvSpPr>
+          <p:cNvPr id="4" name="Content Placeholder 3">
+            <a:extLst>
+              <a:ext uri="{FF2B5EF4-FFF2-40B4-BE49-F238E27FC236}">
+                <a16:creationId xmlns:a16="http://schemas.microsoft.com/office/drawing/2014/main" id="{71F7A2AC-2AC1-ED42-9914-F0F31BE875FD}"/>
+              </a:ext>
+            </a:extLst>
+          </p:cNvPr>
+          <p:cNvSpPr>
+            <a:spLocks noGrp="1"/>
+          </p:cNvSpPr>
+          <p:nvPr>
+            <p:ph sz="half" idx="2"/>
+          </p:nvPr>
+        </p:nvSpPr>
+        <p:spPr/>
+        <p:txBody>
+          <a:bodyPr>
+            <a:normAutofit/>
+          </a:bodyPr>
+          <a:lstStyle/>
+          <a:p>
+            <a:pPr algn="just"/>
+            <a:r>
+              <a:rPr lang="en-US" dirty="0"/>
+              <a:t>Daily sedentary hours (Boxplot)</a:t>
+            </a:r>
+          </a:p>
+          <a:p>
+            <a:pPr algn="just"/>
+            <a:r>
+              <a:rPr lang="en-US" dirty="0"/>
+              <a:t>About 50% (Q1 to Q3) between 12.5 to 20.0 hours</a:t>
+            </a:r>
+          </a:p>
+          <a:p>
+            <a:pPr algn="just"/>
+            <a:r>
+              <a:rPr lang="en-US" dirty="0"/>
+              <a:t>About 25% (Q1) between 20.0 hours to 24 hours, significant proportion?</a:t>
+            </a:r>
+          </a:p>
+          <a:p>
+            <a:pPr algn="just"/>
+            <a:r>
+              <a:rPr lang="en-US" dirty="0"/>
+              <a:t>Potential value to unlock: Can a smart device feature decrease daily sedentary hours via recommended usage?</a:t>
+            </a:r>
+          </a:p>
+        </p:txBody>
+      </p:sp>
+      <p:pic>
+        <p:nvPicPr>
+          <p:cNvPr id="5" name="Content Placeholder 13" descr="Chart&#10;&#10;Description automatically generated with medium confidence">
+            <a:extLst>
+              <a:ext uri="{FF2B5EF4-FFF2-40B4-BE49-F238E27FC236}">
+                <a16:creationId xmlns:a16="http://schemas.microsoft.com/office/drawing/2014/main" id="{FE370B71-6326-FC41-81F9-BFA49822828D}"/>
+              </a:ext>
+            </a:extLst>
+          </p:cNvPr>
+          <p:cNvPicPr>
+            <a:picLocks noGrp="1" noChangeAspect="1"/>
+          </p:cNvPicPr>
+          <p:nvPr>
+            <p:ph sz="half" idx="1"/>
+          </p:nvPr>
+        </p:nvPicPr>
+        <p:blipFill>
+          <a:blip r:embed="rId2"/>
+          <a:stretch>
+            <a:fillRect/>
+          </a:stretch>
+        </p:blipFill>
+        <p:spPr>
+          <a:xfrm>
+            <a:off x="1449217" y="1950392"/>
+            <a:ext cx="3448050" cy="3448050"/>
+          </a:xfrm>
+        </p:spPr>
+      </p:pic>
+    </p:spTree>
+    <p:extLst>
+      <p:ext uri="{BB962C8B-B14F-4D97-AF65-F5344CB8AC3E}">
+        <p14:creationId xmlns:p14="http://schemas.microsoft.com/office/powerpoint/2010/main" val="499743929"/>
+      </p:ext>
+    </p:extLst>
+  </p:cSld>
+  <p:clrMapOvr>
+    <a:masterClrMapping/>
+  </p:clrMapOvr>
+</p:sld>
+</file>
+
+<file path=ppt/slides/slide8.xml><?xml version="1.0" encoding="utf-8"?>
+<p:sld xmlns:a="http://schemas.openxmlformats.org/drawingml/2006/main" xmlns:r="http://schemas.openxmlformats.org/officeDocument/2006/relationships" xmlns:p="http://schemas.openxmlformats.org/presentationml/2006/main">
+  <p:cSld>
+    <p:spTree>
+      <p:nvGrpSpPr>
+        <p:cNvPr id="1" name=""/>
+        <p:cNvGrpSpPr/>
+        <p:nvPr/>
+      </p:nvGrpSpPr>
+      <p:grpSpPr>
+        <a:xfrm>
+          <a:off x="0" y="0"/>
+          <a:ext cx="0" cy="0"/>
+          <a:chOff x="0" y="0"/>
+          <a:chExt cx="0" cy="0"/>
+        </a:xfrm>
+      </p:grpSpPr>
+      <p:sp>
+        <p:nvSpPr>
+          <p:cNvPr id="2" name="Title 1">
+            <a:extLst>
+              <a:ext uri="{FF2B5EF4-FFF2-40B4-BE49-F238E27FC236}">
+                <a16:creationId xmlns:a16="http://schemas.microsoft.com/office/drawing/2014/main" id="{7FE79BAB-5EDB-604C-945F-9007BF29F386}"/>
+              </a:ext>
+            </a:extLst>
+          </p:cNvPr>
+          <p:cNvSpPr>
+            <a:spLocks noGrp="1"/>
+          </p:cNvSpPr>
+          <p:nvPr>
+            <p:ph type="title"/>
+          </p:nvPr>
+        </p:nvSpPr>
+        <p:spPr/>
+        <p:txBody>
+          <a:bodyPr/>
+          <a:lstStyle/>
+          <a:p>
+            <a:r>
+              <a:rPr lang="en-US" dirty="0"/>
+              <a:t>Statistical summary</a:t>
+            </a:r>
+          </a:p>
+        </p:txBody>
+      </p:sp>
+      <p:sp>
+        <p:nvSpPr>
+          <p:cNvPr id="4" name="Content Placeholder 3">
+            <a:extLst>
+              <a:ext uri="{FF2B5EF4-FFF2-40B4-BE49-F238E27FC236}">
+                <a16:creationId xmlns:a16="http://schemas.microsoft.com/office/drawing/2014/main" id="{71F7A2AC-2AC1-ED42-9914-F0F31BE875FD}"/>
+              </a:ext>
+            </a:extLst>
+          </p:cNvPr>
+          <p:cNvSpPr>
+            <a:spLocks noGrp="1"/>
+          </p:cNvSpPr>
+          <p:nvPr>
+            <p:ph sz="half" idx="2"/>
+          </p:nvPr>
+        </p:nvSpPr>
+        <p:spPr/>
+        <p:txBody>
+          <a:bodyPr/>
+          <a:lstStyle/>
+          <a:p>
+            <a:pPr algn="just"/>
+            <a:r>
+              <a:rPr lang="en-US" dirty="0"/>
+              <a:t>Daily non-sedentary hours (Boxplot)</a:t>
+            </a:r>
+          </a:p>
+          <a:p>
+            <a:pPr algn="just"/>
+            <a:r>
+              <a:rPr lang="en-US" dirty="0"/>
+              <a:t>About 50% (Q1 to Q3) between 2.5 to 5.0 hours</a:t>
+            </a:r>
+          </a:p>
+          <a:p>
+            <a:pPr algn="just"/>
+            <a:r>
+              <a:rPr lang="en-US" dirty="0"/>
+              <a:t>About 25% (Q4) lower than 2.5 hours</a:t>
+            </a:r>
+          </a:p>
+        </p:txBody>
+      </p:sp>
+      <p:pic>
+        <p:nvPicPr>
+          <p:cNvPr id="5" name="Content Placeholder 13">
+            <a:extLst>
+              <a:ext uri="{FF2B5EF4-FFF2-40B4-BE49-F238E27FC236}">
+                <a16:creationId xmlns:a16="http://schemas.microsoft.com/office/drawing/2014/main" id="{FE370B71-6326-FC41-81F9-BFA49822828D}"/>
+              </a:ext>
+            </a:extLst>
+          </p:cNvPr>
+          <p:cNvPicPr>
+            <a:picLocks noGrp="1" noChangeAspect="1"/>
+          </p:cNvPicPr>
+          <p:nvPr>
+            <p:ph sz="half" idx="1"/>
+          </p:nvPr>
+        </p:nvPicPr>
+        <p:blipFill>
+          <a:blip r:embed="rId2"/>
+          <a:srcRect/>
+          <a:stretch/>
+        </p:blipFill>
+        <p:spPr>
+          <a:xfrm>
+            <a:off x="1449217" y="1950392"/>
+            <a:ext cx="3448050" cy="3448050"/>
+          </a:xfrm>
+        </p:spPr>
+      </p:pic>
+    </p:spTree>
+    <p:extLst>
+      <p:ext uri="{BB962C8B-B14F-4D97-AF65-F5344CB8AC3E}">
+        <p14:creationId xmlns:p14="http://schemas.microsoft.com/office/powerpoint/2010/main" val="1991766113"/>
+      </p:ext>
+    </p:extLst>
+  </p:cSld>
+  <p:clrMapOvr>
+    <a:masterClrMapping/>
+  </p:clrMapOvr>
+</p:sld>
+</file>
+
+<file path=ppt/slides/slide9.xml><?xml version="1.0" encoding="utf-8"?>
+<p:sld xmlns:a="http://schemas.openxmlformats.org/drawingml/2006/main" xmlns:r="http://schemas.openxmlformats.org/officeDocument/2006/relationships" xmlns:p="http://schemas.openxmlformats.org/presentationml/2006/main">
+  <p:cSld>
+    <p:spTree>
+      <p:nvGrpSpPr>
+        <p:cNvPr id="1" name=""/>
+        <p:cNvGrpSpPr/>
+        <p:nvPr/>
+      </p:nvGrpSpPr>
+      <p:grpSpPr>
+        <a:xfrm>
+          <a:off x="0" y="0"/>
+          <a:ext cx="0" cy="0"/>
+          <a:chOff x="0" y="0"/>
+          <a:chExt cx="0" cy="0"/>
+        </a:xfrm>
+      </p:grpSpPr>
+      <p:sp>
+        <p:nvSpPr>
+          <p:cNvPr id="2" name="Title 1">
+            <a:extLst>
+              <a:ext uri="{FF2B5EF4-FFF2-40B4-BE49-F238E27FC236}">
+                <a16:creationId xmlns:a16="http://schemas.microsoft.com/office/drawing/2014/main" id="{7FE79BAB-5EDB-604C-945F-9007BF29F386}"/>
+              </a:ext>
+            </a:extLst>
+          </p:cNvPr>
+          <p:cNvSpPr>
+            <a:spLocks noGrp="1"/>
+          </p:cNvSpPr>
+          <p:nvPr>
+            <p:ph type="title"/>
+          </p:nvPr>
+        </p:nvSpPr>
+        <p:spPr/>
+        <p:txBody>
+          <a:bodyPr/>
+          <a:lstStyle/>
+          <a:p>
+            <a:r>
+              <a:rPr lang="en-US" dirty="0"/>
+              <a:t>Statistical summary</a:t>
+            </a:r>
+          </a:p>
+        </p:txBody>
+      </p:sp>
+      <p:sp>
+        <p:nvSpPr>
+          <p:cNvPr id="4" name="Content Placeholder 3">
+            <a:extLst>
+              <a:ext uri="{FF2B5EF4-FFF2-40B4-BE49-F238E27FC236}">
+                <a16:creationId xmlns:a16="http://schemas.microsoft.com/office/drawing/2014/main" id="{71F7A2AC-2AC1-ED42-9914-F0F31BE875FD}"/>
+              </a:ext>
+            </a:extLst>
+          </p:cNvPr>
+          <p:cNvSpPr>
+            <a:spLocks noGrp="1"/>
+          </p:cNvSpPr>
+          <p:nvPr>
+            <p:ph sz="half" idx="2"/>
+          </p:nvPr>
+        </p:nvSpPr>
+        <p:spPr/>
+        <p:txBody>
+          <a:bodyPr/>
+          <a:lstStyle/>
+          <a:p>
+            <a:pPr algn="just"/>
+            <a:r>
+              <a:rPr lang="en-US" dirty="0"/>
+              <a:t>Daily active hours (Boxplot)</a:t>
+            </a:r>
+          </a:p>
+          <a:p>
+            <a:pPr algn="just"/>
+            <a:r>
+              <a:rPr lang="en-US" dirty="0"/>
+              <a:t>About 75% (up to Q3) between 0 to 0.5 hours</a:t>
+            </a:r>
+          </a:p>
+          <a:p>
+            <a:pPr algn="just"/>
+            <a:r>
+              <a:rPr lang="en-US" dirty="0"/>
+              <a:t>About 25% have more than 0.5 active hours</a:t>
+            </a:r>
+          </a:p>
+        </p:txBody>
+      </p:sp>
+      <p:pic>
+        <p:nvPicPr>
+          <p:cNvPr id="5" name="Content Placeholder 13">
+            <a:extLst>
+              <a:ext uri="{FF2B5EF4-FFF2-40B4-BE49-F238E27FC236}">
+                <a16:creationId xmlns:a16="http://schemas.microsoft.com/office/drawing/2014/main" id="{FE370B71-6326-FC41-81F9-BFA49822828D}"/>
+              </a:ext>
+            </a:extLst>
+          </p:cNvPr>
+          <p:cNvPicPr>
+            <a:picLocks noGrp="1" noChangeAspect="1"/>
+          </p:cNvPicPr>
+          <p:nvPr>
+            <p:ph sz="half" idx="1"/>
+          </p:nvPr>
+        </p:nvPicPr>
+        <p:blipFill>
+          <a:blip r:embed="rId2"/>
+          <a:srcRect/>
+          <a:stretch/>
+        </p:blipFill>
+        <p:spPr>
+          <a:xfrm>
+            <a:off x="1449217" y="1950392"/>
+            <a:ext cx="3448050" cy="3448050"/>
+          </a:xfrm>
+        </p:spPr>
+      </p:pic>
+    </p:spTree>
+    <p:extLst>
+      <p:ext uri="{BB962C8B-B14F-4D97-AF65-F5344CB8AC3E}">
+        <p14:creationId xmlns:p14="http://schemas.microsoft.com/office/powerpoint/2010/main" val="3586667080"/>
       </p:ext>
     </p:extLst>
   </p:cSld>
@@ -3877,4 +7795,299 @@
     </a:ext>
   </a:extLst>
 </a:theme>
+</file>
+
+<file path=ppt/theme/theme2.xml><?xml version="1.0" encoding="utf-8"?>
+<a:theme xmlns:a="http://schemas.openxmlformats.org/drawingml/2006/main" name="Office Theme">
+  <a:themeElements>
+    <a:clrScheme name="Office">
+      <a:dk1>
+        <a:sysClr val="windowText" lastClr="000000"/>
+      </a:dk1>
+      <a:lt1>
+        <a:sysClr val="window" lastClr="FFFFFF"/>
+      </a:lt1>
+      <a:dk2>
+        <a:srgbClr val="44546A"/>
+      </a:dk2>
+      <a:lt2>
+        <a:srgbClr val="E7E6E6"/>
+      </a:lt2>
+      <a:accent1>
+        <a:srgbClr val="4472C4"/>
+      </a:accent1>
+      <a:accent2>
+        <a:srgbClr val="ED7D31"/>
+      </a:accent2>
+      <a:accent3>
+        <a:srgbClr val="A5A5A5"/>
+      </a:accent3>
+      <a:accent4>
+        <a:srgbClr val="FFC000"/>
+      </a:accent4>
+      <a:accent5>
+        <a:srgbClr val="5B9BD5"/>
+      </a:accent5>
+      <a:accent6>
+        <a:srgbClr val="70AD47"/>
+      </a:accent6>
+      <a:hlink>
+        <a:srgbClr val="0563C1"/>
+      </a:hlink>
+      <a:folHlink>
+        <a:srgbClr val="954F72"/>
+      </a:folHlink>
+    </a:clrScheme>
+    <a:fontScheme name="Office">
+      <a:majorFont>
+        <a:latin typeface="Calibri Light" panose="020F0302020204030204"/>
+        <a:ea typeface=""/>
+        <a:cs typeface=""/>
+        <a:font script="Jpan" typeface="游ゴシック Light"/>
+        <a:font script="Hang" typeface="맑은 고딕"/>
+        <a:font script="Hans" typeface="等线 Light"/>
+        <a:font script="Hant" typeface="新細明體"/>
+        <a:font script="Arab" typeface="Times New Roman"/>
+        <a:font script="Hebr" typeface="Times New Roman"/>
+        <a:font script="Thai" typeface="Angsana New"/>
+        <a:font script="Ethi" typeface="Nyala"/>
+        <a:font script="Beng" typeface="Vrinda"/>
+        <a:font script="Gujr" typeface="Shruti"/>
+        <a:font script="Khmr" typeface="MoolBoran"/>
+        <a:font script="Knda" typeface="Tunga"/>
+        <a:font script="Guru" typeface="Raavi"/>
+        <a:font script="Cans" typeface="Euphemia"/>
+        <a:font script="Cher" typeface="Plantagenet Cherokee"/>
+        <a:font script="Yiii" typeface="Microsoft Yi Baiti"/>
+        <a:font script="Tibt" typeface="Microsoft Himalaya"/>
+        <a:font script="Thaa" typeface="MV Boli"/>
+        <a:font script="Deva" typeface="Mangal"/>
+        <a:font script="Telu" typeface="Gautami"/>
+        <a:font script="Taml" typeface="Latha"/>
+        <a:font script="Syrc" typeface="Estrangelo Edessa"/>
+        <a:font script="Orya" typeface="Kalinga"/>
+        <a:font script="Mlym" typeface="Kartika"/>
+        <a:font script="Laoo" typeface="DokChampa"/>
+        <a:font script="Sinh" typeface="Iskoola Pota"/>
+        <a:font script="Mong" typeface="Mongolian Baiti"/>
+        <a:font script="Viet" typeface="Times New Roman"/>
+        <a:font script="Uigh" typeface="Microsoft Uighur"/>
+        <a:font script="Geor" typeface="Sylfaen"/>
+        <a:font script="Armn" typeface="Arial"/>
+        <a:font script="Bugi" typeface="Leelawadee UI"/>
+        <a:font script="Bopo" typeface="Microsoft JhengHei"/>
+        <a:font script="Java" typeface="Javanese Text"/>
+        <a:font script="Lisu" typeface="Segoe UI"/>
+        <a:font script="Mymr" typeface="Myanmar Text"/>
+        <a:font script="Nkoo" typeface="Ebrima"/>
+        <a:font script="Olck" typeface="Nirmala UI"/>
+        <a:font script="Osma" typeface="Ebrima"/>
+        <a:font script="Phag" typeface="Phagspa"/>
+        <a:font script="Syrn" typeface="Estrangelo Edessa"/>
+        <a:font script="Syrj" typeface="Estrangelo Edessa"/>
+        <a:font script="Syre" typeface="Estrangelo Edessa"/>
+        <a:font script="Sora" typeface="Nirmala UI"/>
+        <a:font script="Tale" typeface="Microsoft Tai Le"/>
+        <a:font script="Talu" typeface="Microsoft New Tai Lue"/>
+        <a:font script="Tfng" typeface="Ebrima"/>
+      </a:majorFont>
+      <a:minorFont>
+        <a:latin typeface="Calibri" panose="020F0502020204030204"/>
+        <a:ea typeface=""/>
+        <a:cs typeface=""/>
+        <a:font script="Jpan" typeface="游ゴシック"/>
+        <a:font script="Hang" typeface="맑은 고딕"/>
+        <a:font script="Hans" typeface="等线"/>
+        <a:font script="Hant" typeface="新細明體"/>
+        <a:font script="Arab" typeface="Arial"/>
+        <a:font script="Hebr" typeface="Arial"/>
+        <a:font script="Thai" typeface="Cordia New"/>
+        <a:font script="Ethi" typeface="Nyala"/>
+        <a:font script="Beng" typeface="Vrinda"/>
+        <a:font script="Gujr" typeface="Shruti"/>
+        <a:font script="Khmr" typeface="DaunPenh"/>
+        <a:font script="Knda" typeface="Tunga"/>
+        <a:font script="Guru" typeface="Raavi"/>
+        <a:font script="Cans" typeface="Euphemia"/>
+        <a:font script="Cher" typeface="Plantagenet Cherokee"/>
+        <a:font script="Yiii" typeface="Microsoft Yi Baiti"/>
+        <a:font script="Tibt" typeface="Microsoft Himalaya"/>
+        <a:font script="Thaa" typeface="MV Boli"/>
+        <a:font script="Deva" typeface="Mangal"/>
+        <a:font script="Telu" typeface="Gautami"/>
+        <a:font script="Taml" typeface="Latha"/>
+        <a:font script="Syrc" typeface="Estrangelo Edessa"/>
+        <a:font script="Orya" typeface="Kalinga"/>
+        <a:font script="Mlym" typeface="Kartika"/>
+        <a:font script="Laoo" typeface="DokChampa"/>
+        <a:font script="Sinh" typeface="Iskoola Pota"/>
+        <a:font script="Mong" typeface="Mongolian Baiti"/>
+        <a:font script="Viet" typeface="Arial"/>
+        <a:font script="Uigh" typeface="Microsoft Uighur"/>
+        <a:font script="Geor" typeface="Sylfaen"/>
+        <a:font script="Armn" typeface="Arial"/>
+        <a:font script="Bugi" typeface="Leelawadee UI"/>
+        <a:font script="Bopo" typeface="Microsoft JhengHei"/>
+        <a:font script="Java" typeface="Javanese Text"/>
+        <a:font script="Lisu" typeface="Segoe UI"/>
+        <a:font script="Mymr" typeface="Myanmar Text"/>
+        <a:font script="Nkoo" typeface="Ebrima"/>
+        <a:font script="Olck" typeface="Nirmala UI"/>
+        <a:font script="Osma" typeface="Ebrima"/>
+        <a:font script="Phag" typeface="Phagspa"/>
+        <a:font script="Syrn" typeface="Estrangelo Edessa"/>
+        <a:font script="Syrj" typeface="Estrangelo Edessa"/>
+        <a:font script="Syre" typeface="Estrangelo Edessa"/>
+        <a:font script="Sora" typeface="Nirmala UI"/>
+        <a:font script="Tale" typeface="Microsoft Tai Le"/>
+        <a:font script="Talu" typeface="Microsoft New Tai Lue"/>
+        <a:font script="Tfng" typeface="Ebrima"/>
+      </a:minorFont>
+    </a:fontScheme>
+    <a:fmtScheme name="Office">
+      <a:fillStyleLst>
+        <a:solidFill>
+          <a:schemeClr val="phClr"/>
+        </a:solidFill>
+        <a:gradFill rotWithShape="1">
+          <a:gsLst>
+            <a:gs pos="0">
+              <a:schemeClr val="phClr">
+                <a:lumMod val="110000"/>
+                <a:satMod val="105000"/>
+                <a:tint val="67000"/>
+              </a:schemeClr>
+            </a:gs>
+            <a:gs pos="50000">
+              <a:schemeClr val="phClr">
+                <a:lumMod val="105000"/>
+                <a:satMod val="103000"/>
+                <a:tint val="73000"/>
+              </a:schemeClr>
+            </a:gs>
+            <a:gs pos="100000">
+              <a:schemeClr val="phClr">
+                <a:lumMod val="105000"/>
+                <a:satMod val="109000"/>
+                <a:tint val="81000"/>
+              </a:schemeClr>
+            </a:gs>
+          </a:gsLst>
+          <a:lin ang="5400000" scaled="0"/>
+        </a:gradFill>
+        <a:gradFill rotWithShape="1">
+          <a:gsLst>
+            <a:gs pos="0">
+              <a:schemeClr val="phClr">
+                <a:satMod val="103000"/>
+                <a:lumMod val="102000"/>
+                <a:tint val="94000"/>
+              </a:schemeClr>
+            </a:gs>
+            <a:gs pos="50000">
+              <a:schemeClr val="phClr">
+                <a:satMod val="110000"/>
+                <a:lumMod val="100000"/>
+                <a:shade val="100000"/>
+              </a:schemeClr>
+            </a:gs>
+            <a:gs pos="100000">
+              <a:schemeClr val="phClr">
+                <a:lumMod val="99000"/>
+                <a:satMod val="120000"/>
+                <a:shade val="78000"/>
+              </a:schemeClr>
+            </a:gs>
+          </a:gsLst>
+          <a:lin ang="5400000" scaled="0"/>
+        </a:gradFill>
+      </a:fillStyleLst>
+      <a:lnStyleLst>
+        <a:ln w="6350" cap="flat" cmpd="sng" algn="ctr">
+          <a:solidFill>
+            <a:schemeClr val="phClr"/>
+          </a:solidFill>
+          <a:prstDash val="solid"/>
+          <a:miter lim="800000"/>
+        </a:ln>
+        <a:ln w="12700" cap="flat" cmpd="sng" algn="ctr">
+          <a:solidFill>
+            <a:schemeClr val="phClr"/>
+          </a:solidFill>
+          <a:prstDash val="solid"/>
+          <a:miter lim="800000"/>
+        </a:ln>
+        <a:ln w="19050" cap="flat" cmpd="sng" algn="ctr">
+          <a:solidFill>
+            <a:schemeClr val="phClr"/>
+          </a:solidFill>
+          <a:prstDash val="solid"/>
+          <a:miter lim="800000"/>
+        </a:ln>
+      </a:lnStyleLst>
+      <a:effectStyleLst>
+        <a:effectStyle>
+          <a:effectLst/>
+        </a:effectStyle>
+        <a:effectStyle>
+          <a:effectLst/>
+        </a:effectStyle>
+        <a:effectStyle>
+          <a:effectLst>
+            <a:outerShdw blurRad="57150" dist="19050" dir="5400000" algn="ctr" rotWithShape="0">
+              <a:srgbClr val="000000">
+                <a:alpha val="63000"/>
+              </a:srgbClr>
+            </a:outerShdw>
+          </a:effectLst>
+        </a:effectStyle>
+      </a:effectStyleLst>
+      <a:bgFillStyleLst>
+        <a:solidFill>
+          <a:schemeClr val="phClr"/>
+        </a:solidFill>
+        <a:solidFill>
+          <a:schemeClr val="phClr">
+            <a:tint val="95000"/>
+            <a:satMod val="170000"/>
+          </a:schemeClr>
+        </a:solidFill>
+        <a:gradFill rotWithShape="1">
+          <a:gsLst>
+            <a:gs pos="0">
+              <a:schemeClr val="phClr">
+                <a:tint val="93000"/>
+                <a:satMod val="150000"/>
+                <a:shade val="98000"/>
+                <a:lumMod val="102000"/>
+              </a:schemeClr>
+            </a:gs>
+            <a:gs pos="50000">
+              <a:schemeClr val="phClr">
+                <a:tint val="98000"/>
+                <a:satMod val="130000"/>
+                <a:shade val="90000"/>
+                <a:lumMod val="103000"/>
+              </a:schemeClr>
+            </a:gs>
+            <a:gs pos="100000">
+              <a:schemeClr val="phClr">
+                <a:shade val="63000"/>
+                <a:satMod val="120000"/>
+              </a:schemeClr>
+            </a:gs>
+          </a:gsLst>
+          <a:lin ang="5400000" scaled="0"/>
+        </a:gradFill>
+      </a:bgFillStyleLst>
+    </a:fmtScheme>
+  </a:themeElements>
+  <a:objectDefaults/>
+  <a:extraClrSchemeLst/>
+  <a:extLst>
+    <a:ext uri="{05A4C25C-085E-4340-85A3-A5531E510DB2}">
+      <thm15:themeFamily xmlns:thm15="http://schemas.microsoft.com/office/thememl/2012/main" name="Office Theme" id="{62F939B6-93AF-4DB8-9C6B-D6C7DFDC589F}" vid="{4A3C46E8-61CC-4603-A589-7422A47A8E4A}"/>
+    </a:ext>
+  </a:extLst>
+</a:theme>
 </file>